--- a/News_Sentiment_Analysis_Tool_Presentation.pptx
+++ b/News_Sentiment_Analysis_Tool_Presentation.pptx
@@ -329,7 +329,7 @@
               <a:rPr lang="en-US" smtClean="0"/>
               <a:t>8/2/2025</a:t>
             </a:fld>
-            <a:endParaRPr lang="en-US"/>
+            <a:endParaRPr lang="en-US" dirty="0"/>
           </a:p>
         </p:txBody>
       </p:sp>
@@ -348,7 +348,7 @@
           <a:bodyPr/>
           <a:lstStyle/>
           <a:p>
-            <a:endParaRPr lang="en-US"/>
+            <a:endParaRPr lang="en-US" dirty="0"/>
           </a:p>
         </p:txBody>
       </p:sp>
@@ -452,7 +452,7 @@
               <a:rPr lang="en-US" smtClean="0"/>
               <a:t>‹#›</a:t>
             </a:fld>
-            <a:endParaRPr lang="en-US"/>
+            <a:endParaRPr lang="en-US" dirty="0"/>
           </a:p>
         </p:txBody>
       </p:sp>
@@ -661,7 +661,7 @@
               <a:rPr lang="en-US" smtClean="0"/>
               <a:t>8/2/2025</a:t>
             </a:fld>
-            <a:endParaRPr lang="en-US"/>
+            <a:endParaRPr lang="en-US" dirty="0"/>
           </a:p>
         </p:txBody>
       </p:sp>
@@ -680,7 +680,7 @@
           <a:bodyPr/>
           <a:lstStyle/>
           <a:p>
-            <a:endParaRPr lang="en-US"/>
+            <a:endParaRPr lang="en-US" dirty="0"/>
           </a:p>
         </p:txBody>
       </p:sp>
@@ -788,7 +788,7 @@
               <a:rPr lang="en-US" smtClean="0"/>
               <a:t>‹#›</a:t>
             </a:fld>
-            <a:endParaRPr lang="en-US"/>
+            <a:endParaRPr lang="en-US" dirty="0"/>
           </a:p>
         </p:txBody>
       </p:sp>
@@ -928,10 +928,9 @@
           </a:lstStyle>
           <a:p>
             <a:r>
-              <a:rPr lang="en-US"/>
+              <a:rPr lang="en-US" dirty="0"/>
               <a:t>Click icon to add picture</a:t>
             </a:r>
-            <a:endParaRPr lang="en-US" dirty="0"/>
           </a:p>
         </p:txBody>
       </p:sp>
@@ -1021,7 +1020,7 @@
               <a:rPr lang="en-US" smtClean="0"/>
               <a:t>8/2/2025</a:t>
             </a:fld>
-            <a:endParaRPr lang="en-US"/>
+            <a:endParaRPr lang="en-US" dirty="0"/>
           </a:p>
         </p:txBody>
       </p:sp>
@@ -1040,7 +1039,7 @@
           <a:bodyPr/>
           <a:lstStyle/>
           <a:p>
-            <a:endParaRPr lang="en-US"/>
+            <a:endParaRPr lang="en-US" dirty="0"/>
           </a:p>
         </p:txBody>
       </p:sp>
@@ -1063,7 +1062,7 @@
               <a:rPr lang="en-US" smtClean="0"/>
               <a:t>‹#›</a:t>
             </a:fld>
-            <a:endParaRPr lang="en-US"/>
+            <a:endParaRPr lang="en-US" dirty="0"/>
           </a:p>
         </p:txBody>
       </p:sp>
@@ -1215,7 +1214,7 @@
               <a:rPr lang="en-US" smtClean="0"/>
               <a:t>8/2/2025</a:t>
             </a:fld>
-            <a:endParaRPr lang="en-US"/>
+            <a:endParaRPr lang="en-US" dirty="0"/>
           </a:p>
         </p:txBody>
       </p:sp>
@@ -1234,7 +1233,7 @@
           <a:bodyPr/>
           <a:lstStyle/>
           <a:p>
-            <a:endParaRPr lang="en-US"/>
+            <a:endParaRPr lang="en-US" dirty="0"/>
           </a:p>
         </p:txBody>
       </p:sp>
@@ -1257,7 +1256,7 @@
               <a:rPr lang="en-US" smtClean="0"/>
               <a:t>‹#›</a:t>
             </a:fld>
-            <a:endParaRPr lang="en-US"/>
+            <a:endParaRPr lang="en-US" dirty="0"/>
           </a:p>
         </p:txBody>
       </p:sp>
@@ -1488,7 +1487,7 @@
               <a:rPr lang="en-US" smtClean="0"/>
               <a:t>8/2/2025</a:t>
             </a:fld>
-            <a:endParaRPr lang="en-US"/>
+            <a:endParaRPr lang="en-US" dirty="0"/>
           </a:p>
         </p:txBody>
       </p:sp>
@@ -1507,7 +1506,7 @@
           <a:bodyPr/>
           <a:lstStyle/>
           <a:p>
-            <a:endParaRPr lang="en-US"/>
+            <a:endParaRPr lang="en-US" dirty="0"/>
           </a:p>
         </p:txBody>
       </p:sp>
@@ -1530,7 +1529,7 @@
               <a:rPr lang="en-US" smtClean="0"/>
               <a:t>‹#›</a:t>
             </a:fld>
-            <a:endParaRPr lang="en-US"/>
+            <a:endParaRPr lang="en-US" dirty="0"/>
           </a:p>
         </p:txBody>
       </p:sp>
@@ -1829,7 +1828,7 @@
               <a:rPr lang="en-US" smtClean="0"/>
               <a:t>8/2/2025</a:t>
             </a:fld>
-            <a:endParaRPr lang="en-US"/>
+            <a:endParaRPr lang="en-US" dirty="0"/>
           </a:p>
         </p:txBody>
       </p:sp>
@@ -1848,7 +1847,7 @@
           <a:bodyPr/>
           <a:lstStyle/>
           <a:p>
-            <a:endParaRPr lang="en-US"/>
+            <a:endParaRPr lang="en-US" dirty="0"/>
           </a:p>
         </p:txBody>
       </p:sp>
@@ -1871,7 +1870,7 @@
               <a:rPr lang="en-US" smtClean="0"/>
               <a:t>‹#›</a:t>
             </a:fld>
-            <a:endParaRPr lang="en-US"/>
+            <a:endParaRPr lang="en-US" dirty="0"/>
           </a:p>
         </p:txBody>
       </p:sp>
@@ -2452,7 +2451,7 @@
               <a:rPr lang="en-US" smtClean="0"/>
               <a:t>8/2/2025</a:t>
             </a:fld>
-            <a:endParaRPr lang="en-US"/>
+            <a:endParaRPr lang="en-US" dirty="0"/>
           </a:p>
         </p:txBody>
       </p:sp>
@@ -2471,7 +2470,7 @@
           <a:bodyPr/>
           <a:lstStyle/>
           <a:p>
-            <a:endParaRPr lang="en-US"/>
+            <a:endParaRPr lang="en-US" dirty="0"/>
           </a:p>
         </p:txBody>
       </p:sp>
@@ -2494,7 +2493,7 @@
               <a:rPr lang="en-US" smtClean="0"/>
               <a:t>‹#›</a:t>
             </a:fld>
-            <a:endParaRPr lang="en-US"/>
+            <a:endParaRPr lang="en-US" dirty="0"/>
           </a:p>
         </p:txBody>
       </p:sp>
@@ -2701,10 +2700,9 @@
           </a:lstStyle>
           <a:p>
             <a:r>
-              <a:rPr lang="en-US"/>
+              <a:rPr lang="en-US" dirty="0"/>
               <a:t>Click icon to add picture</a:t>
             </a:r>
-            <a:endParaRPr lang="en-US" dirty="0"/>
           </a:p>
         </p:txBody>
       </p:sp>
@@ -2921,10 +2919,9 @@
           </a:lstStyle>
           <a:p>
             <a:r>
-              <a:rPr lang="en-US"/>
+              <a:rPr lang="en-US" dirty="0"/>
               <a:t>Click icon to add picture</a:t>
             </a:r>
-            <a:endParaRPr lang="en-US" dirty="0"/>
           </a:p>
         </p:txBody>
       </p:sp>
@@ -3141,10 +3138,9 @@
           </a:lstStyle>
           <a:p>
             <a:r>
-              <a:rPr lang="en-US"/>
+              <a:rPr lang="en-US" dirty="0"/>
               <a:t>Click icon to add picture</a:t>
             </a:r>
-            <a:endParaRPr lang="en-US" dirty="0"/>
           </a:p>
         </p:txBody>
       </p:sp>
@@ -3312,7 +3308,7 @@
               <a:rPr lang="en-US" smtClean="0"/>
               <a:t>8/2/2025</a:t>
             </a:fld>
-            <a:endParaRPr lang="en-US"/>
+            <a:endParaRPr lang="en-US" dirty="0"/>
           </a:p>
         </p:txBody>
       </p:sp>
@@ -3331,7 +3327,7 @@
           <a:bodyPr/>
           <a:lstStyle/>
           <a:p>
-            <a:endParaRPr lang="en-US"/>
+            <a:endParaRPr lang="en-US" dirty="0"/>
           </a:p>
         </p:txBody>
       </p:sp>
@@ -3354,7 +3350,7 @@
               <a:rPr lang="en-US" smtClean="0"/>
               <a:t>‹#›</a:t>
             </a:fld>
-            <a:endParaRPr lang="en-US"/>
+            <a:endParaRPr lang="en-US" dirty="0"/>
           </a:p>
         </p:txBody>
       </p:sp>
@@ -3482,7 +3478,7 @@
               <a:rPr lang="en-US" smtClean="0"/>
               <a:t>8/2/2025</a:t>
             </a:fld>
-            <a:endParaRPr lang="en-US"/>
+            <a:endParaRPr lang="en-US" dirty="0"/>
           </a:p>
         </p:txBody>
       </p:sp>
@@ -3501,7 +3497,7 @@
           <a:bodyPr/>
           <a:lstStyle/>
           <a:p>
-            <a:endParaRPr lang="en-US"/>
+            <a:endParaRPr lang="en-US" dirty="0"/>
           </a:p>
         </p:txBody>
       </p:sp>
@@ -3524,7 +3520,7 @@
               <a:rPr lang="en-US" smtClean="0"/>
               <a:t>‹#›</a:t>
             </a:fld>
-            <a:endParaRPr lang="en-US"/>
+            <a:endParaRPr lang="en-US" dirty="0"/>
           </a:p>
         </p:txBody>
       </p:sp>
@@ -3662,7 +3658,7 @@
               <a:rPr lang="en-US" smtClean="0"/>
               <a:t>8/2/2025</a:t>
             </a:fld>
-            <a:endParaRPr lang="en-US"/>
+            <a:endParaRPr lang="en-US" dirty="0"/>
           </a:p>
         </p:txBody>
       </p:sp>
@@ -3681,7 +3677,7 @@
           <a:bodyPr/>
           <a:lstStyle/>
           <a:p>
-            <a:endParaRPr lang="en-US"/>
+            <a:endParaRPr lang="en-US" dirty="0"/>
           </a:p>
         </p:txBody>
       </p:sp>
@@ -3704,7 +3700,7 @@
               <a:rPr lang="en-US" smtClean="0"/>
               <a:t>‹#›</a:t>
             </a:fld>
-            <a:endParaRPr lang="en-US"/>
+            <a:endParaRPr lang="en-US" dirty="0"/>
           </a:p>
         </p:txBody>
       </p:sp>
@@ -3940,7 +3936,7 @@
               <a:rPr lang="en-US" smtClean="0"/>
               <a:t>8/2/2025</a:t>
             </a:fld>
-            <a:endParaRPr lang="en-US"/>
+            <a:endParaRPr lang="en-US" dirty="0"/>
           </a:p>
         </p:txBody>
       </p:sp>
@@ -3959,7 +3955,7 @@
           <a:bodyPr/>
           <a:lstStyle/>
           <a:p>
-            <a:endParaRPr lang="en-US"/>
+            <a:endParaRPr lang="en-US" dirty="0"/>
           </a:p>
         </p:txBody>
       </p:sp>
@@ -3982,7 +3978,7 @@
               <a:rPr lang="en-US" smtClean="0"/>
               <a:t>‹#›</a:t>
             </a:fld>
-            <a:endParaRPr lang="en-US"/>
+            <a:endParaRPr lang="en-US" dirty="0"/>
           </a:p>
         </p:txBody>
       </p:sp>
@@ -4229,7 +4225,7 @@
               <a:rPr lang="en-US" smtClean="0"/>
               <a:t>8/2/2025</a:t>
             </a:fld>
-            <a:endParaRPr lang="en-US"/>
+            <a:endParaRPr lang="en-US" dirty="0"/>
           </a:p>
         </p:txBody>
       </p:sp>
@@ -4248,7 +4244,7 @@
           <a:bodyPr/>
           <a:lstStyle/>
           <a:p>
-            <a:endParaRPr lang="en-US"/>
+            <a:endParaRPr lang="en-US" dirty="0"/>
           </a:p>
         </p:txBody>
       </p:sp>
@@ -4271,7 +4267,7 @@
               <a:rPr lang="en-US" smtClean="0"/>
               <a:t>‹#›</a:t>
             </a:fld>
-            <a:endParaRPr lang="en-US"/>
+            <a:endParaRPr lang="en-US" dirty="0"/>
           </a:p>
         </p:txBody>
       </p:sp>
@@ -4584,7 +4580,7 @@
               <a:rPr lang="en-US" smtClean="0"/>
               <a:t>8/2/2025</a:t>
             </a:fld>
-            <a:endParaRPr lang="en-US"/>
+            <a:endParaRPr lang="en-US" dirty="0"/>
           </a:p>
         </p:txBody>
       </p:sp>
@@ -4603,7 +4599,7 @@
           <a:bodyPr/>
           <a:lstStyle/>
           <a:p>
-            <a:endParaRPr lang="en-US"/>
+            <a:endParaRPr lang="en-US" dirty="0"/>
           </a:p>
         </p:txBody>
       </p:sp>
@@ -4711,7 +4707,7 @@
               <a:rPr lang="en-US" smtClean="0"/>
               <a:t>‹#›</a:t>
             </a:fld>
-            <a:endParaRPr lang="en-US"/>
+            <a:endParaRPr lang="en-US" dirty="0"/>
           </a:p>
         </p:txBody>
       </p:sp>
@@ -5071,7 +5067,7 @@
               <a:rPr lang="en-US" smtClean="0"/>
               <a:t>8/2/2025</a:t>
             </a:fld>
-            <a:endParaRPr lang="en-US"/>
+            <a:endParaRPr lang="en-US" dirty="0"/>
           </a:p>
         </p:txBody>
       </p:sp>
@@ -5090,7 +5086,7 @@
           <a:bodyPr/>
           <a:lstStyle/>
           <a:p>
-            <a:endParaRPr lang="en-US"/>
+            <a:endParaRPr lang="en-US" dirty="0"/>
           </a:p>
         </p:txBody>
       </p:sp>
@@ -5113,7 +5109,7 @@
               <a:rPr lang="en-US" smtClean="0"/>
               <a:t>‹#›</a:t>
             </a:fld>
-            <a:endParaRPr lang="en-US"/>
+            <a:endParaRPr lang="en-US" dirty="0"/>
           </a:p>
         </p:txBody>
       </p:sp>
@@ -5389,7 +5385,7 @@
               <a:rPr lang="en-US" smtClean="0"/>
               <a:t>8/2/2025</a:t>
             </a:fld>
-            <a:endParaRPr lang="en-US"/>
+            <a:endParaRPr lang="en-US" dirty="0"/>
           </a:p>
         </p:txBody>
       </p:sp>
@@ -5408,7 +5404,7 @@
           <a:bodyPr/>
           <a:lstStyle/>
           <a:p>
-            <a:endParaRPr lang="en-US"/>
+            <a:endParaRPr lang="en-US" dirty="0"/>
           </a:p>
         </p:txBody>
       </p:sp>
@@ -5431,7 +5427,7 @@
               <a:rPr lang="en-US" smtClean="0"/>
               <a:t>‹#›</a:t>
             </a:fld>
-            <a:endParaRPr lang="en-US"/>
+            <a:endParaRPr lang="en-US" dirty="0"/>
           </a:p>
         </p:txBody>
       </p:sp>
@@ -5972,7 +5968,7 @@
               <a:rPr lang="en-US" smtClean="0"/>
               <a:t>8/2/2025</a:t>
             </a:fld>
-            <a:endParaRPr lang="en-US"/>
+            <a:endParaRPr lang="en-US" dirty="0"/>
           </a:p>
         </p:txBody>
       </p:sp>
@@ -5991,7 +5987,7 @@
           <a:bodyPr/>
           <a:lstStyle/>
           <a:p>
-            <a:endParaRPr lang="en-US"/>
+            <a:endParaRPr lang="en-US" dirty="0"/>
           </a:p>
         </p:txBody>
       </p:sp>
@@ -6014,7 +6010,7 @@
               <a:rPr lang="en-US" smtClean="0"/>
               <a:t>‹#›</a:t>
             </a:fld>
-            <a:endParaRPr lang="en-US"/>
+            <a:endParaRPr lang="en-US" dirty="0"/>
           </a:p>
         </p:txBody>
       </p:sp>
@@ -6209,7 +6205,7 @@
               <a:rPr lang="en-US" smtClean="0"/>
               <a:t>8/2/2025</a:t>
             </a:fld>
-            <a:endParaRPr lang="en-US"/>
+            <a:endParaRPr lang="en-US" dirty="0"/>
           </a:p>
         </p:txBody>
       </p:sp>
@@ -6228,7 +6224,7 @@
           <a:bodyPr/>
           <a:lstStyle/>
           <a:p>
-            <a:endParaRPr lang="en-US"/>
+            <a:endParaRPr lang="en-US" dirty="0"/>
           </a:p>
         </p:txBody>
       </p:sp>
@@ -6251,7 +6247,7 @@
               <a:rPr lang="en-US" smtClean="0"/>
               <a:t>‹#›</a:t>
             </a:fld>
-            <a:endParaRPr lang="en-US"/>
+            <a:endParaRPr lang="en-US" dirty="0"/>
           </a:p>
         </p:txBody>
       </p:sp>
@@ -6382,7 +6378,7 @@
               <a:rPr lang="en-US" smtClean="0"/>
               <a:t>8/2/2025</a:t>
             </a:fld>
-            <a:endParaRPr lang="en-US"/>
+            <a:endParaRPr lang="en-US" dirty="0"/>
           </a:p>
         </p:txBody>
       </p:sp>
@@ -6401,7 +6397,7 @@
           <a:bodyPr/>
           <a:lstStyle/>
           <a:p>
-            <a:endParaRPr lang="en-US"/>
+            <a:endParaRPr lang="en-US" dirty="0"/>
           </a:p>
         </p:txBody>
       </p:sp>
@@ -6424,7 +6420,7 @@
               <a:rPr lang="en-US" smtClean="0"/>
               <a:t>‹#›</a:t>
             </a:fld>
-            <a:endParaRPr lang="en-US"/>
+            <a:endParaRPr lang="en-US" dirty="0"/>
           </a:p>
         </p:txBody>
       </p:sp>
@@ -6754,7 +6750,7 @@
               <a:rPr lang="en-US" smtClean="0"/>
               <a:t>8/2/2025</a:t>
             </a:fld>
-            <a:endParaRPr lang="en-US"/>
+            <a:endParaRPr lang="en-US" dirty="0"/>
           </a:p>
         </p:txBody>
       </p:sp>
@@ -6773,7 +6769,7 @@
           <a:bodyPr/>
           <a:lstStyle/>
           <a:p>
-            <a:endParaRPr lang="en-US"/>
+            <a:endParaRPr lang="en-US" dirty="0"/>
           </a:p>
         </p:txBody>
       </p:sp>
@@ -6796,7 +6792,7 @@
               <a:rPr lang="en-US" smtClean="0"/>
               <a:t>‹#›</a:t>
             </a:fld>
-            <a:endParaRPr lang="en-US"/>
+            <a:endParaRPr lang="en-US" dirty="0"/>
           </a:p>
         </p:txBody>
       </p:sp>
@@ -7031,10 +7027,9 @@
           </a:lstStyle>
           <a:p>
             <a:r>
-              <a:rPr lang="en-US"/>
+              <a:rPr lang="en-US" dirty="0"/>
               <a:t>Click icon to add picture</a:t>
             </a:r>
-            <a:endParaRPr lang="en-US" dirty="0"/>
           </a:p>
         </p:txBody>
       </p:sp>
@@ -7158,7 +7153,7 @@
               <a:rPr lang="en-US" smtClean="0"/>
               <a:t>8/2/2025</a:t>
             </a:fld>
-            <a:endParaRPr lang="en-US"/>
+            <a:endParaRPr lang="en-US" dirty="0"/>
           </a:p>
         </p:txBody>
       </p:sp>
@@ -7177,7 +7172,7 @@
           <a:bodyPr/>
           <a:lstStyle/>
           <a:p>
-            <a:endParaRPr lang="en-US"/>
+            <a:endParaRPr lang="en-US" dirty="0"/>
           </a:p>
         </p:txBody>
       </p:sp>
@@ -7200,7 +7195,7 @@
               <a:rPr lang="en-US" smtClean="0"/>
               <a:t>‹#›</a:t>
             </a:fld>
-            <a:endParaRPr lang="en-US"/>
+            <a:endParaRPr lang="en-US" dirty="0"/>
           </a:p>
         </p:txBody>
       </p:sp>
@@ -7457,7 +7452,7 @@
               <a:rPr lang="en-US" smtClean="0"/>
               <a:t>8/2/2025</a:t>
             </a:fld>
-            <a:endParaRPr lang="en-US"/>
+            <a:endParaRPr lang="en-US" dirty="0"/>
           </a:p>
         </p:txBody>
       </p:sp>
@@ -7476,7 +7471,7 @@
           <a:bodyPr/>
           <a:lstStyle/>
           <a:p>
-            <a:endParaRPr lang="en-US"/>
+            <a:endParaRPr lang="en-US" dirty="0"/>
           </a:p>
         </p:txBody>
       </p:sp>
@@ -7499,7 +7494,7 @@
               <a:rPr lang="en-US" smtClean="0"/>
               <a:t>‹#›</a:t>
             </a:fld>
-            <a:endParaRPr lang="en-US"/>
+            <a:endParaRPr lang="en-US" dirty="0"/>
           </a:p>
         </p:txBody>
       </p:sp>
@@ -7760,7 +7755,7 @@
               <a:rPr lang="en-US" smtClean="0"/>
               <a:t>8/2/2025</a:t>
             </a:fld>
-            <a:endParaRPr lang="en-US"/>
+            <a:endParaRPr lang="en-US" dirty="0"/>
           </a:p>
         </p:txBody>
       </p:sp>
@@ -7779,7 +7774,7 @@
           <a:bodyPr/>
           <a:lstStyle/>
           <a:p>
-            <a:endParaRPr lang="en-US"/>
+            <a:endParaRPr lang="en-US" dirty="0"/>
           </a:p>
         </p:txBody>
       </p:sp>
@@ -7802,7 +7797,7 @@
               <a:rPr lang="en-US" smtClean="0"/>
               <a:t>‹#›</a:t>
             </a:fld>
-            <a:endParaRPr lang="en-US"/>
+            <a:endParaRPr lang="en-US" dirty="0"/>
           </a:p>
         </p:txBody>
       </p:sp>
@@ -7933,7 +7928,7 @@
               <a:rPr lang="en-US" smtClean="0"/>
               <a:t>8/2/2025</a:t>
             </a:fld>
-            <a:endParaRPr lang="en-US"/>
+            <a:endParaRPr lang="en-US" dirty="0"/>
           </a:p>
         </p:txBody>
       </p:sp>
@@ -7952,7 +7947,7 @@
           <a:bodyPr/>
           <a:lstStyle/>
           <a:p>
-            <a:endParaRPr lang="en-US"/>
+            <a:endParaRPr lang="en-US" dirty="0"/>
           </a:p>
         </p:txBody>
       </p:sp>
@@ -8060,7 +8055,7 @@
               <a:rPr lang="en-US" smtClean="0"/>
               <a:t>‹#›</a:t>
             </a:fld>
-            <a:endParaRPr lang="en-US"/>
+            <a:endParaRPr lang="en-US" dirty="0"/>
           </a:p>
         </p:txBody>
       </p:sp>
@@ -8251,7 +8246,7 @@
               <a:rPr lang="en-US" smtClean="0"/>
               <a:t>8/2/2025</a:t>
             </a:fld>
-            <a:endParaRPr lang="en-US"/>
+            <a:endParaRPr lang="en-US" dirty="0"/>
           </a:p>
         </p:txBody>
       </p:sp>
@@ -8270,7 +8265,7 @@
           <a:bodyPr/>
           <a:lstStyle/>
           <a:p>
-            <a:endParaRPr lang="en-US"/>
+            <a:endParaRPr lang="en-US" dirty="0"/>
           </a:p>
         </p:txBody>
       </p:sp>
@@ -8378,7 +8373,7 @@
               <a:rPr lang="en-US" smtClean="0"/>
               <a:t>‹#›</a:t>
             </a:fld>
-            <a:endParaRPr lang="en-US"/>
+            <a:endParaRPr lang="en-US" dirty="0"/>
           </a:p>
         </p:txBody>
       </p:sp>
@@ -8645,7 +8640,7 @@
               <a:rPr lang="en-US" smtClean="0"/>
               <a:t>8/2/2025</a:t>
             </a:fld>
-            <a:endParaRPr lang="en-US"/>
+            <a:endParaRPr lang="en-US" dirty="0"/>
           </a:p>
         </p:txBody>
       </p:sp>
@@ -8664,7 +8659,7 @@
           <a:bodyPr/>
           <a:lstStyle/>
           <a:p>
-            <a:endParaRPr lang="en-US"/>
+            <a:endParaRPr lang="en-US" dirty="0"/>
           </a:p>
         </p:txBody>
       </p:sp>
@@ -8772,7 +8767,7 @@
               <a:rPr lang="en-US" smtClean="0"/>
               <a:t>‹#›</a:t>
             </a:fld>
-            <a:endParaRPr lang="en-US"/>
+            <a:endParaRPr lang="en-US" dirty="0"/>
           </a:p>
         </p:txBody>
       </p:sp>
@@ -8900,7 +8895,7 @@
               <a:rPr lang="en-US" smtClean="0"/>
               <a:t>8/2/2025</a:t>
             </a:fld>
-            <a:endParaRPr lang="en-US"/>
+            <a:endParaRPr lang="en-US" dirty="0"/>
           </a:p>
         </p:txBody>
       </p:sp>
@@ -8919,7 +8914,7 @@
           <a:bodyPr/>
           <a:lstStyle/>
           <a:p>
-            <a:endParaRPr lang="en-US"/>
+            <a:endParaRPr lang="en-US" dirty="0"/>
           </a:p>
         </p:txBody>
       </p:sp>
@@ -9022,7 +9017,7 @@
               <a:rPr lang="en-US" smtClean="0"/>
               <a:t>‹#›</a:t>
             </a:fld>
-            <a:endParaRPr lang="en-US"/>
+            <a:endParaRPr lang="en-US" dirty="0"/>
           </a:p>
         </p:txBody>
       </p:sp>
@@ -9160,7 +9155,7 @@
               <a:rPr lang="en-US" smtClean="0"/>
               <a:t>8/2/2025</a:t>
             </a:fld>
-            <a:endParaRPr lang="en-US"/>
+            <a:endParaRPr lang="en-US" dirty="0"/>
           </a:p>
         </p:txBody>
       </p:sp>
@@ -9179,7 +9174,7 @@
           <a:bodyPr/>
           <a:lstStyle/>
           <a:p>
-            <a:endParaRPr lang="en-US"/>
+            <a:endParaRPr lang="en-US" dirty="0"/>
           </a:p>
         </p:txBody>
       </p:sp>
@@ -9282,7 +9277,7 @@
               <a:rPr lang="en-US" smtClean="0"/>
               <a:t>‹#›</a:t>
             </a:fld>
-            <a:endParaRPr lang="en-US"/>
+            <a:endParaRPr lang="en-US" dirty="0"/>
           </a:p>
         </p:txBody>
       </p:sp>
@@ -9632,7 +9627,7 @@
               <a:rPr lang="en-US" smtClean="0"/>
               <a:t>8/2/2025</a:t>
             </a:fld>
-            <a:endParaRPr lang="en-US"/>
+            <a:endParaRPr lang="en-US" dirty="0"/>
           </a:p>
         </p:txBody>
       </p:sp>
@@ -9656,7 +9651,7 @@
           <a:bodyPr/>
           <a:lstStyle/>
           <a:p>
-            <a:endParaRPr lang="en-US"/>
+            <a:endParaRPr lang="en-US" dirty="0"/>
           </a:p>
         </p:txBody>
       </p:sp>
@@ -9684,7 +9679,7 @@
               <a:rPr lang="en-US" smtClean="0"/>
               <a:t>‹#›</a:t>
             </a:fld>
-            <a:endParaRPr lang="en-US"/>
+            <a:endParaRPr lang="en-US" dirty="0"/>
           </a:p>
         </p:txBody>
       </p:sp>
@@ -9874,7 +9869,7 @@
               <a:rPr lang="en-US" smtClean="0"/>
               <a:t>8/2/2025</a:t>
             </a:fld>
-            <a:endParaRPr lang="en-US"/>
+            <a:endParaRPr lang="en-US" dirty="0"/>
           </a:p>
         </p:txBody>
       </p:sp>
@@ -9893,7 +9888,7 @@
           <a:bodyPr/>
           <a:lstStyle/>
           <a:p>
-            <a:endParaRPr lang="en-US"/>
+            <a:endParaRPr lang="en-US" dirty="0"/>
           </a:p>
         </p:txBody>
       </p:sp>
@@ -9916,7 +9911,7 @@
               <a:rPr lang="en-US" smtClean="0"/>
               <a:t>‹#›</a:t>
             </a:fld>
-            <a:endParaRPr lang="en-US"/>
+            <a:endParaRPr lang="en-US" dirty="0"/>
           </a:p>
         </p:txBody>
       </p:sp>
@@ -10122,7 +10117,7 @@
               <a:rPr lang="en-US" smtClean="0"/>
               <a:t>8/2/2025</a:t>
             </a:fld>
-            <a:endParaRPr lang="en-US"/>
+            <a:endParaRPr lang="en-US" dirty="0"/>
           </a:p>
         </p:txBody>
       </p:sp>
@@ -10141,7 +10136,7 @@
           <a:bodyPr/>
           <a:lstStyle/>
           <a:p>
-            <a:endParaRPr lang="en-US"/>
+            <a:endParaRPr lang="en-US" dirty="0"/>
           </a:p>
         </p:txBody>
       </p:sp>
@@ -10164,7 +10159,7 @@
               <a:rPr lang="en-US" smtClean="0"/>
               <a:t>‹#›</a:t>
             </a:fld>
-            <a:endParaRPr lang="en-US"/>
+            <a:endParaRPr lang="en-US" dirty="0"/>
           </a:p>
         </p:txBody>
       </p:sp>
@@ -10333,7 +10328,7 @@
               <a:rPr lang="en-US" smtClean="0"/>
               <a:t>8/2/2025</a:t>
             </a:fld>
-            <a:endParaRPr lang="en-US"/>
+            <a:endParaRPr lang="en-US" dirty="0"/>
           </a:p>
         </p:txBody>
       </p:sp>
@@ -10352,7 +10347,7 @@
           <a:bodyPr/>
           <a:lstStyle/>
           <a:p>
-            <a:endParaRPr lang="en-US"/>
+            <a:endParaRPr lang="en-US" dirty="0"/>
           </a:p>
         </p:txBody>
       </p:sp>
@@ -10455,7 +10450,7 @@
               <a:rPr lang="en-US" smtClean="0"/>
               <a:t>‹#›</a:t>
             </a:fld>
-            <a:endParaRPr lang="en-US"/>
+            <a:endParaRPr lang="en-US" dirty="0"/>
           </a:p>
         </p:txBody>
       </p:sp>
@@ -10685,7 +10680,7 @@
               <a:rPr lang="en-US" smtClean="0"/>
               <a:t>8/2/2025</a:t>
             </a:fld>
-            <a:endParaRPr lang="en-US"/>
+            <a:endParaRPr lang="en-US" dirty="0"/>
           </a:p>
         </p:txBody>
       </p:sp>
@@ -10704,7 +10699,7 @@
           <a:bodyPr/>
           <a:lstStyle/>
           <a:p>
-            <a:endParaRPr lang="en-US"/>
+            <a:endParaRPr lang="en-US" dirty="0"/>
           </a:p>
         </p:txBody>
       </p:sp>
@@ -10727,7 +10722,7 @@
               <a:rPr lang="en-US" smtClean="0"/>
               <a:t>‹#›</a:t>
             </a:fld>
-            <a:endParaRPr lang="en-US"/>
+            <a:endParaRPr lang="en-US" dirty="0"/>
           </a:p>
         </p:txBody>
       </p:sp>
@@ -11067,7 +11062,7 @@
               <a:rPr lang="en-US" smtClean="0"/>
               <a:t>8/2/2025</a:t>
             </a:fld>
-            <a:endParaRPr lang="en-US"/>
+            <a:endParaRPr lang="en-US" dirty="0"/>
           </a:p>
         </p:txBody>
       </p:sp>
@@ -11086,7 +11081,7 @@
           <a:bodyPr/>
           <a:lstStyle/>
           <a:p>
-            <a:endParaRPr lang="en-US"/>
+            <a:endParaRPr lang="en-US" dirty="0"/>
           </a:p>
         </p:txBody>
       </p:sp>
@@ -11109,7 +11104,7 @@
               <a:rPr lang="en-US" smtClean="0"/>
               <a:t>‹#›</a:t>
             </a:fld>
-            <a:endParaRPr lang="en-US"/>
+            <a:endParaRPr lang="en-US" dirty="0"/>
           </a:p>
         </p:txBody>
       </p:sp>
@@ -11221,7 +11216,7 @@
               <a:rPr lang="en-US" smtClean="0"/>
               <a:t>8/2/2025</a:t>
             </a:fld>
-            <a:endParaRPr lang="en-US"/>
+            <a:endParaRPr lang="en-US" dirty="0"/>
           </a:p>
         </p:txBody>
       </p:sp>
@@ -11240,7 +11235,7 @@
           <a:bodyPr/>
           <a:lstStyle/>
           <a:p>
-            <a:endParaRPr lang="en-US"/>
+            <a:endParaRPr lang="en-US" dirty="0"/>
           </a:p>
         </p:txBody>
       </p:sp>
@@ -11263,7 +11258,7 @@
               <a:rPr lang="en-US" smtClean="0"/>
               <a:t>‹#›</a:t>
             </a:fld>
-            <a:endParaRPr lang="en-US"/>
+            <a:endParaRPr lang="en-US" dirty="0"/>
           </a:p>
         </p:txBody>
       </p:sp>
@@ -11347,7 +11342,7 @@
               <a:rPr lang="en-US" smtClean="0"/>
               <a:t>8/2/2025</a:t>
             </a:fld>
-            <a:endParaRPr lang="en-US"/>
+            <a:endParaRPr lang="en-US" dirty="0"/>
           </a:p>
         </p:txBody>
       </p:sp>
@@ -11366,7 +11361,7 @@
           <a:bodyPr/>
           <a:lstStyle/>
           <a:p>
-            <a:endParaRPr lang="en-US"/>
+            <a:endParaRPr lang="en-US" dirty="0"/>
           </a:p>
         </p:txBody>
       </p:sp>
@@ -11389,7 +11384,7 @@
               <a:rPr lang="en-US" smtClean="0"/>
               <a:t>‹#›</a:t>
             </a:fld>
-            <a:endParaRPr lang="en-US"/>
+            <a:endParaRPr lang="en-US" dirty="0"/>
           </a:p>
         </p:txBody>
       </p:sp>
@@ -11602,7 +11597,7 @@
               <a:rPr lang="en-US" smtClean="0"/>
               <a:t>8/2/2025</a:t>
             </a:fld>
-            <a:endParaRPr lang="en-US"/>
+            <a:endParaRPr lang="en-US" dirty="0"/>
           </a:p>
         </p:txBody>
       </p:sp>
@@ -11621,7 +11616,7 @@
           <a:bodyPr/>
           <a:lstStyle/>
           <a:p>
-            <a:endParaRPr lang="en-US"/>
+            <a:endParaRPr lang="en-US" dirty="0"/>
           </a:p>
         </p:txBody>
       </p:sp>
@@ -11644,7 +11639,7 @@
               <a:rPr lang="en-US" smtClean="0"/>
               <a:t>‹#›</a:t>
             </a:fld>
-            <a:endParaRPr lang="en-US"/>
+            <a:endParaRPr lang="en-US" dirty="0"/>
           </a:p>
         </p:txBody>
       </p:sp>
@@ -11823,10 +11818,9 @@
           </a:lstStyle>
           <a:p>
             <a:r>
-              <a:rPr lang="en-US"/>
+              <a:rPr lang="en-US" dirty="0"/>
               <a:t>Click icon to add picture</a:t>
             </a:r>
-            <a:endParaRPr lang="en-US" dirty="0"/>
           </a:p>
         </p:txBody>
       </p:sp>
@@ -11916,7 +11910,7 @@
               <a:rPr lang="en-US" smtClean="0"/>
               <a:t>8/2/2025</a:t>
             </a:fld>
-            <a:endParaRPr lang="en-US"/>
+            <a:endParaRPr lang="en-US" dirty="0"/>
           </a:p>
         </p:txBody>
       </p:sp>
@@ -11935,7 +11929,7 @@
           <a:bodyPr/>
           <a:lstStyle/>
           <a:p>
-            <a:endParaRPr lang="en-US"/>
+            <a:endParaRPr lang="en-US" dirty="0"/>
           </a:p>
         </p:txBody>
       </p:sp>
@@ -11958,7 +11952,7 @@
               <a:rPr lang="en-US" smtClean="0"/>
               <a:t>‹#›</a:t>
             </a:fld>
-            <a:endParaRPr lang="en-US"/>
+            <a:endParaRPr lang="en-US" dirty="0"/>
           </a:p>
         </p:txBody>
       </p:sp>
@@ -12106,10 +12100,9 @@
           </a:lstStyle>
           <a:p>
             <a:r>
-              <a:rPr lang="en-US"/>
+              <a:rPr lang="en-US" dirty="0"/>
               <a:t>Click icon to add picture</a:t>
             </a:r>
-            <a:endParaRPr lang="en-US" dirty="0"/>
           </a:p>
         </p:txBody>
       </p:sp>
@@ -12199,7 +12192,7 @@
               <a:rPr lang="en-US" smtClean="0"/>
               <a:t>8/2/2025</a:t>
             </a:fld>
-            <a:endParaRPr lang="en-US"/>
+            <a:endParaRPr lang="en-US" dirty="0"/>
           </a:p>
         </p:txBody>
       </p:sp>
@@ -12218,7 +12211,7 @@
           <a:bodyPr/>
           <a:lstStyle/>
           <a:p>
-            <a:endParaRPr lang="en-US"/>
+            <a:endParaRPr lang="en-US" dirty="0"/>
           </a:p>
         </p:txBody>
       </p:sp>
@@ -12241,7 +12234,7 @@
               <a:rPr lang="en-US" smtClean="0"/>
               <a:t>‹#›</a:t>
             </a:fld>
-            <a:endParaRPr lang="en-US"/>
+            <a:endParaRPr lang="en-US" dirty="0"/>
           </a:p>
         </p:txBody>
       </p:sp>
@@ -12447,7 +12440,7 @@
               <a:rPr lang="en-US" smtClean="0"/>
               <a:t>8/2/2025</a:t>
             </a:fld>
-            <a:endParaRPr lang="en-US"/>
+            <a:endParaRPr lang="en-US" dirty="0"/>
           </a:p>
         </p:txBody>
       </p:sp>
@@ -12466,7 +12459,7 @@
           <a:bodyPr/>
           <a:lstStyle/>
           <a:p>
-            <a:endParaRPr lang="en-US"/>
+            <a:endParaRPr lang="en-US" dirty="0"/>
           </a:p>
         </p:txBody>
       </p:sp>
@@ -12489,7 +12482,7 @@
               <a:rPr lang="en-US" smtClean="0"/>
               <a:t>‹#›</a:t>
             </a:fld>
-            <a:endParaRPr lang="en-US"/>
+            <a:endParaRPr lang="en-US" dirty="0"/>
           </a:p>
         </p:txBody>
       </p:sp>
@@ -12786,7 +12779,7 @@
               <a:rPr lang="en-US" smtClean="0"/>
               <a:t>8/2/2025</a:t>
             </a:fld>
-            <a:endParaRPr lang="en-US"/>
+            <a:endParaRPr lang="en-US" dirty="0"/>
           </a:p>
         </p:txBody>
       </p:sp>
@@ -12805,7 +12798,7 @@
           <a:bodyPr/>
           <a:lstStyle/>
           <a:p>
-            <a:endParaRPr lang="en-US"/>
+            <a:endParaRPr lang="en-US" dirty="0"/>
           </a:p>
         </p:txBody>
       </p:sp>
@@ -12828,7 +12821,7 @@
               <a:rPr lang="en-US" smtClean="0"/>
               <a:t>‹#›</a:t>
             </a:fld>
-            <a:endParaRPr lang="en-US"/>
+            <a:endParaRPr lang="en-US" dirty="0"/>
           </a:p>
         </p:txBody>
       </p:sp>
@@ -13133,7 +13126,7 @@
               <a:rPr lang="en-US" smtClean="0"/>
               <a:t>8/2/2025</a:t>
             </a:fld>
-            <a:endParaRPr lang="en-US"/>
+            <a:endParaRPr lang="en-US" dirty="0"/>
           </a:p>
         </p:txBody>
       </p:sp>
@@ -13152,7 +13145,7 @@
           <a:bodyPr/>
           <a:lstStyle/>
           <a:p>
-            <a:endParaRPr lang="en-US"/>
+            <a:endParaRPr lang="en-US" dirty="0"/>
           </a:p>
         </p:txBody>
       </p:sp>
@@ -13175,7 +13168,7 @@
               <a:rPr lang="en-US" smtClean="0"/>
               <a:t>‹#›</a:t>
             </a:fld>
-            <a:endParaRPr lang="en-US"/>
+            <a:endParaRPr lang="en-US" dirty="0"/>
           </a:p>
         </p:txBody>
       </p:sp>
@@ -13380,7 +13373,7 @@
               <a:rPr lang="en-US" smtClean="0"/>
               <a:t>8/2/2025</a:t>
             </a:fld>
-            <a:endParaRPr lang="en-US"/>
+            <a:endParaRPr lang="en-US" dirty="0"/>
           </a:p>
         </p:txBody>
       </p:sp>
@@ -13399,7 +13392,7 @@
           <a:bodyPr/>
           <a:lstStyle/>
           <a:p>
-            <a:endParaRPr lang="en-US"/>
+            <a:endParaRPr lang="en-US" dirty="0"/>
           </a:p>
         </p:txBody>
       </p:sp>
@@ -13507,7 +13500,7 @@
               <a:rPr lang="en-US" smtClean="0"/>
               <a:t>‹#›</a:t>
             </a:fld>
-            <a:endParaRPr lang="en-US"/>
+            <a:endParaRPr lang="en-US" dirty="0"/>
           </a:p>
         </p:txBody>
       </p:sp>
@@ -13839,7 +13832,7 @@
               <a:rPr lang="en-US" smtClean="0"/>
               <a:t>8/2/2025</a:t>
             </a:fld>
-            <a:endParaRPr lang="en-US"/>
+            <a:endParaRPr lang="en-US" dirty="0"/>
           </a:p>
         </p:txBody>
       </p:sp>
@@ -13858,7 +13851,7 @@
           <a:bodyPr/>
           <a:lstStyle/>
           <a:p>
-            <a:endParaRPr lang="en-US"/>
+            <a:endParaRPr lang="en-US" dirty="0"/>
           </a:p>
         </p:txBody>
       </p:sp>
@@ -13881,7 +13874,7 @@
               <a:rPr lang="en-US" smtClean="0"/>
               <a:t>‹#›</a:t>
             </a:fld>
-            <a:endParaRPr lang="en-US"/>
+            <a:endParaRPr lang="en-US" dirty="0"/>
           </a:p>
         </p:txBody>
       </p:sp>
@@ -14309,7 +14302,7 @@
               <a:rPr lang="en-US" smtClean="0"/>
               <a:t>8/2/2025</a:t>
             </a:fld>
-            <a:endParaRPr lang="en-US"/>
+            <a:endParaRPr lang="en-US" dirty="0"/>
           </a:p>
         </p:txBody>
       </p:sp>
@@ -14328,7 +14321,7 @@
           <a:bodyPr/>
           <a:lstStyle/>
           <a:p>
-            <a:endParaRPr lang="en-US"/>
+            <a:endParaRPr lang="en-US" dirty="0"/>
           </a:p>
         </p:txBody>
       </p:sp>
@@ -14351,7 +14344,7 @@
               <a:rPr lang="en-US" smtClean="0"/>
               <a:t>‹#›</a:t>
             </a:fld>
-            <a:endParaRPr lang="en-US"/>
+            <a:endParaRPr lang="en-US" dirty="0"/>
           </a:p>
         </p:txBody>
       </p:sp>
@@ -14519,7 +14512,7 @@
               <a:rPr lang="en-US" smtClean="0"/>
               <a:t>8/2/2025</a:t>
             </a:fld>
-            <a:endParaRPr lang="en-US"/>
+            <a:endParaRPr lang="en-US" dirty="0"/>
           </a:p>
         </p:txBody>
       </p:sp>
@@ -14538,7 +14531,7 @@
           <a:bodyPr/>
           <a:lstStyle/>
           <a:p>
-            <a:endParaRPr lang="en-US"/>
+            <a:endParaRPr lang="en-US" dirty="0"/>
           </a:p>
         </p:txBody>
       </p:sp>
@@ -14561,7 +14554,7 @@
               <a:rPr lang="en-US" smtClean="0"/>
               <a:t>‹#›</a:t>
             </a:fld>
-            <a:endParaRPr lang="en-US"/>
+            <a:endParaRPr lang="en-US" dirty="0"/>
           </a:p>
         </p:txBody>
       </p:sp>
@@ -14730,7 +14723,7 @@
               <a:rPr lang="en-US" smtClean="0"/>
               <a:t>8/2/2025</a:t>
             </a:fld>
-            <a:endParaRPr lang="en-US"/>
+            <a:endParaRPr lang="en-US" dirty="0"/>
           </a:p>
         </p:txBody>
       </p:sp>
@@ -14749,7 +14742,7 @@
           <a:bodyPr/>
           <a:lstStyle/>
           <a:p>
-            <a:endParaRPr lang="en-US"/>
+            <a:endParaRPr lang="en-US" dirty="0"/>
           </a:p>
         </p:txBody>
       </p:sp>
@@ -14772,7 +14765,7 @@
               <a:rPr lang="en-US" smtClean="0"/>
               <a:t>‹#›</a:t>
             </a:fld>
-            <a:endParaRPr lang="en-US"/>
+            <a:endParaRPr lang="en-US" dirty="0"/>
           </a:p>
         </p:txBody>
       </p:sp>
@@ -15048,7 +15041,7 @@
               <a:rPr lang="en-US" smtClean="0"/>
               <a:t>8/2/2025</a:t>
             </a:fld>
-            <a:endParaRPr lang="en-US"/>
+            <a:endParaRPr lang="en-US" dirty="0"/>
           </a:p>
         </p:txBody>
       </p:sp>
@@ -15067,7 +15060,7 @@
           <a:bodyPr/>
           <a:lstStyle/>
           <a:p>
-            <a:endParaRPr lang="en-US"/>
+            <a:endParaRPr lang="en-US" dirty="0"/>
           </a:p>
         </p:txBody>
       </p:sp>
@@ -15090,7 +15083,7 @@
               <a:rPr lang="en-US" smtClean="0"/>
               <a:t>‹#›</a:t>
             </a:fld>
-            <a:endParaRPr lang="en-US"/>
+            <a:endParaRPr lang="en-US" dirty="0"/>
           </a:p>
         </p:txBody>
       </p:sp>
@@ -15256,7 +15249,7 @@
               <a:rPr lang="en-US" smtClean="0"/>
               <a:t>8/2/2025</a:t>
             </a:fld>
-            <a:endParaRPr lang="en-US"/>
+            <a:endParaRPr lang="en-US" dirty="0"/>
           </a:p>
         </p:txBody>
       </p:sp>
@@ -15275,7 +15268,7 @@
           <a:bodyPr/>
           <a:lstStyle/>
           <a:p>
-            <a:endParaRPr lang="en-US"/>
+            <a:endParaRPr lang="en-US" dirty="0"/>
           </a:p>
         </p:txBody>
       </p:sp>
@@ -15298,7 +15291,7 @@
               <a:rPr lang="en-US" smtClean="0"/>
               <a:t>‹#›</a:t>
             </a:fld>
-            <a:endParaRPr lang="en-US"/>
+            <a:endParaRPr lang="en-US" dirty="0"/>
           </a:p>
         </p:txBody>
       </p:sp>
@@ -15599,7 +15592,7 @@
               <a:rPr lang="en-US" smtClean="0"/>
               <a:t>8/2/2025</a:t>
             </a:fld>
-            <a:endParaRPr lang="en-US"/>
+            <a:endParaRPr lang="en-US" dirty="0"/>
           </a:p>
         </p:txBody>
       </p:sp>
@@ -15618,7 +15611,7 @@
           <a:bodyPr/>
           <a:lstStyle/>
           <a:p>
-            <a:endParaRPr lang="en-US"/>
+            <a:endParaRPr lang="en-US" dirty="0"/>
           </a:p>
         </p:txBody>
       </p:sp>
@@ -15641,7 +15634,7 @@
               <a:rPr lang="en-US" smtClean="0"/>
               <a:t>‹#›</a:t>
             </a:fld>
-            <a:endParaRPr lang="en-US"/>
+            <a:endParaRPr lang="en-US" dirty="0"/>
           </a:p>
         </p:txBody>
       </p:sp>
@@ -15874,7 +15867,7 @@
               <a:rPr lang="en-US" smtClean="0"/>
               <a:t>8/2/2025</a:t>
             </a:fld>
-            <a:endParaRPr lang="en-US"/>
+            <a:endParaRPr lang="en-US" dirty="0"/>
           </a:p>
         </p:txBody>
       </p:sp>
@@ -15893,7 +15886,7 @@
           <a:bodyPr/>
           <a:lstStyle/>
           <a:p>
-            <a:endParaRPr lang="en-US"/>
+            <a:endParaRPr lang="en-US" dirty="0"/>
           </a:p>
         </p:txBody>
       </p:sp>
@@ -15916,7 +15909,7 @@
               <a:rPr lang="en-US" smtClean="0"/>
               <a:t>‹#›</a:t>
             </a:fld>
-            <a:endParaRPr lang="en-US"/>
+            <a:endParaRPr lang="en-US" dirty="0"/>
           </a:p>
         </p:txBody>
       </p:sp>
@@ -16253,7 +16246,7 @@
               <a:rPr lang="en-US" smtClean="0"/>
               <a:t>8/2/2025</a:t>
             </a:fld>
-            <a:endParaRPr lang="en-US"/>
+            <a:endParaRPr lang="en-US" dirty="0"/>
           </a:p>
         </p:txBody>
       </p:sp>
@@ -16272,7 +16265,7 @@
           <a:bodyPr/>
           <a:lstStyle/>
           <a:p>
-            <a:endParaRPr lang="en-US"/>
+            <a:endParaRPr lang="en-US" dirty="0"/>
           </a:p>
         </p:txBody>
       </p:sp>
@@ -16295,7 +16288,7 @@
               <a:rPr lang="en-US" smtClean="0"/>
               <a:t>‹#›</a:t>
             </a:fld>
-            <a:endParaRPr lang="en-US"/>
+            <a:endParaRPr lang="en-US" dirty="0"/>
           </a:p>
         </p:txBody>
       </p:sp>
@@ -16371,7 +16364,7 @@
               <a:rPr lang="en-US" smtClean="0"/>
               <a:t>8/2/2025</a:t>
             </a:fld>
-            <a:endParaRPr lang="en-US"/>
+            <a:endParaRPr lang="en-US" dirty="0"/>
           </a:p>
         </p:txBody>
       </p:sp>
@@ -16390,7 +16383,7 @@
           <a:bodyPr/>
           <a:lstStyle/>
           <a:p>
-            <a:endParaRPr lang="en-US"/>
+            <a:endParaRPr lang="en-US" dirty="0"/>
           </a:p>
         </p:txBody>
       </p:sp>
@@ -16413,7 +16406,7 @@
               <a:rPr lang="en-US" smtClean="0"/>
               <a:t>‹#›</a:t>
             </a:fld>
-            <a:endParaRPr lang="en-US"/>
+            <a:endParaRPr lang="en-US" dirty="0"/>
           </a:p>
         </p:txBody>
       </p:sp>
@@ -16607,7 +16600,7 @@
               <a:rPr lang="en-US" smtClean="0"/>
               <a:t>8/2/2025</a:t>
             </a:fld>
-            <a:endParaRPr lang="en-US"/>
+            <a:endParaRPr lang="en-US" dirty="0"/>
           </a:p>
         </p:txBody>
       </p:sp>
@@ -16626,7 +16619,7 @@
           <a:bodyPr/>
           <a:lstStyle/>
           <a:p>
-            <a:endParaRPr lang="en-US"/>
+            <a:endParaRPr lang="en-US" dirty="0"/>
           </a:p>
         </p:txBody>
       </p:sp>
@@ -16734,7 +16727,7 @@
               <a:rPr lang="en-US" smtClean="0"/>
               <a:t>‹#›</a:t>
             </a:fld>
-            <a:endParaRPr lang="en-US"/>
+            <a:endParaRPr lang="en-US" dirty="0"/>
           </a:p>
         </p:txBody>
       </p:sp>
@@ -16863,7 +16856,7 @@
               <a:rPr lang="en-US" smtClean="0"/>
               <a:t>8/2/2025</a:t>
             </a:fld>
-            <a:endParaRPr lang="en-US"/>
+            <a:endParaRPr lang="en-US" dirty="0"/>
           </a:p>
         </p:txBody>
       </p:sp>
@@ -16890,7 +16883,7 @@
             </a:lvl1pPr>
           </a:lstStyle>
           <a:p>
-            <a:endParaRPr lang="en-US"/>
+            <a:endParaRPr lang="en-US" dirty="0"/>
           </a:p>
         </p:txBody>
       </p:sp>
@@ -16913,7 +16906,7 @@
               <a:rPr lang="en-US" smtClean="0"/>
               <a:t>‹#›</a:t>
             </a:fld>
-            <a:endParaRPr lang="en-US"/>
+            <a:endParaRPr lang="en-US" dirty="0"/>
           </a:p>
         </p:txBody>
       </p:sp>
@@ -17217,7 +17210,7 @@
               <a:rPr lang="en-US" smtClean="0"/>
               <a:t>8/2/2025</a:t>
             </a:fld>
-            <a:endParaRPr lang="en-US"/>
+            <a:endParaRPr lang="en-US" dirty="0"/>
           </a:p>
         </p:txBody>
       </p:sp>
@@ -17249,7 +17242,7 @@
             </a:lvl1pPr>
           </a:lstStyle>
           <a:p>
-            <a:endParaRPr lang="en-US"/>
+            <a:endParaRPr lang="en-US" dirty="0"/>
           </a:p>
         </p:txBody>
       </p:sp>
@@ -17280,7 +17273,7 @@
               <a:rPr lang="en-US" smtClean="0"/>
               <a:t>‹#›</a:t>
             </a:fld>
-            <a:endParaRPr lang="en-US"/>
+            <a:endParaRPr lang="en-US" dirty="0"/>
           </a:p>
         </p:txBody>
       </p:sp>
@@ -17496,10 +17489,9 @@
           </a:lstStyle>
           <a:p>
             <a:r>
-              <a:rPr lang="en-US"/>
+              <a:rPr lang="en-US" dirty="0"/>
               <a:t>Click icon to add picture</a:t>
             </a:r>
-            <a:endParaRPr lang="en-US" dirty="0"/>
           </a:p>
         </p:txBody>
       </p:sp>
@@ -17599,7 +17591,7 @@
               <a:rPr lang="en-US" smtClean="0"/>
               <a:t>8/2/2025</a:t>
             </a:fld>
-            <a:endParaRPr lang="en-US"/>
+            <a:endParaRPr lang="en-US" dirty="0"/>
           </a:p>
         </p:txBody>
       </p:sp>
@@ -17618,7 +17610,7 @@
           <a:bodyPr/>
           <a:lstStyle/>
           <a:p>
-            <a:endParaRPr lang="en-US"/>
+            <a:endParaRPr lang="en-US" dirty="0"/>
           </a:p>
         </p:txBody>
       </p:sp>
@@ -17641,7 +17633,7 @@
               <a:rPr lang="en-US" smtClean="0"/>
               <a:t>‹#›</a:t>
             </a:fld>
-            <a:endParaRPr lang="en-US"/>
+            <a:endParaRPr lang="en-US" dirty="0"/>
           </a:p>
         </p:txBody>
       </p:sp>
@@ -17769,7 +17761,7 @@
               <a:rPr lang="en-US" smtClean="0"/>
               <a:t>8/2/2025</a:t>
             </a:fld>
-            <a:endParaRPr lang="en-US"/>
+            <a:endParaRPr lang="en-US" dirty="0"/>
           </a:p>
         </p:txBody>
       </p:sp>
@@ -17788,7 +17780,7 @@
           <a:bodyPr/>
           <a:lstStyle/>
           <a:p>
-            <a:endParaRPr lang="en-US"/>
+            <a:endParaRPr lang="en-US" dirty="0"/>
           </a:p>
         </p:txBody>
       </p:sp>
@@ -17811,7 +17803,7 @@
               <a:rPr lang="en-US" smtClean="0"/>
               <a:t>‹#›</a:t>
             </a:fld>
-            <a:endParaRPr lang="en-US"/>
+            <a:endParaRPr lang="en-US" dirty="0"/>
           </a:p>
         </p:txBody>
       </p:sp>
@@ -18025,7 +18017,7 @@
               <a:rPr lang="en-US" smtClean="0"/>
               <a:t>8/2/2025</a:t>
             </a:fld>
-            <a:endParaRPr lang="en-US"/>
+            <a:endParaRPr lang="en-US" dirty="0"/>
           </a:p>
         </p:txBody>
       </p:sp>
@@ -18044,7 +18036,7 @@
           <a:bodyPr/>
           <a:lstStyle/>
           <a:p>
-            <a:endParaRPr lang="en-US"/>
+            <a:endParaRPr lang="en-US" dirty="0"/>
           </a:p>
         </p:txBody>
       </p:sp>
@@ -18067,7 +18059,7 @@
               <a:rPr lang="en-US" smtClean="0"/>
               <a:t>‹#›</a:t>
             </a:fld>
-            <a:endParaRPr lang="en-US"/>
+            <a:endParaRPr lang="en-US" dirty="0"/>
           </a:p>
         </p:txBody>
       </p:sp>
@@ -18537,7 +18529,7 @@
               <a:rPr lang="en-US" smtClean="0"/>
               <a:t>8/2/2025</a:t>
             </a:fld>
-            <a:endParaRPr lang="en-US"/>
+            <a:endParaRPr lang="en-US" dirty="0"/>
           </a:p>
         </p:txBody>
       </p:sp>
@@ -18565,7 +18557,7 @@
             </a:lvl1pPr>
           </a:lstStyle>
           <a:p>
-            <a:endParaRPr lang="en-US"/>
+            <a:endParaRPr lang="en-US" dirty="0"/>
           </a:p>
         </p:txBody>
       </p:sp>
@@ -18604,7 +18596,7 @@
               <a:rPr lang="en-US" smtClean="0"/>
               <a:t>‹#›</a:t>
             </a:fld>
-            <a:endParaRPr lang="en-US"/>
+            <a:endParaRPr lang="en-US" dirty="0"/>
           </a:p>
         </p:txBody>
       </p:sp>
@@ -18779,7 +18771,7 @@
               <a:rPr lang="en-US" smtClean="0"/>
               <a:t>8/2/2025</a:t>
             </a:fld>
-            <a:endParaRPr lang="en-US"/>
+            <a:endParaRPr lang="en-US" dirty="0"/>
           </a:p>
         </p:txBody>
       </p:sp>
@@ -18798,7 +18790,7 @@
           <a:bodyPr/>
           <a:lstStyle/>
           <a:p>
-            <a:endParaRPr lang="en-US"/>
+            <a:endParaRPr lang="en-US" dirty="0"/>
           </a:p>
         </p:txBody>
       </p:sp>
@@ -18821,7 +18813,7 @@
               <a:rPr lang="en-US" smtClean="0"/>
               <a:t>‹#›</a:t>
             </a:fld>
-            <a:endParaRPr lang="en-US"/>
+            <a:endParaRPr lang="en-US" dirty="0"/>
           </a:p>
         </p:txBody>
       </p:sp>
@@ -19029,7 +19021,7 @@
               <a:rPr lang="en-US" smtClean="0"/>
               <a:t>8/2/2025</a:t>
             </a:fld>
-            <a:endParaRPr lang="en-US"/>
+            <a:endParaRPr lang="en-US" dirty="0"/>
           </a:p>
         </p:txBody>
       </p:sp>
@@ -19048,7 +19040,7 @@
           <a:bodyPr/>
           <a:lstStyle/>
           <a:p>
-            <a:endParaRPr lang="en-US"/>
+            <a:endParaRPr lang="en-US" dirty="0"/>
           </a:p>
         </p:txBody>
       </p:sp>
@@ -19071,7 +19063,7 @@
               <a:rPr lang="en-US" smtClean="0"/>
               <a:t>‹#›</a:t>
             </a:fld>
-            <a:endParaRPr lang="en-US"/>
+            <a:endParaRPr lang="en-US" dirty="0"/>
           </a:p>
         </p:txBody>
       </p:sp>
@@ -19266,7 +19258,7 @@
               <a:rPr lang="en-US" smtClean="0"/>
               <a:t>8/2/2025</a:t>
             </a:fld>
-            <a:endParaRPr lang="en-US"/>
+            <a:endParaRPr lang="en-US" dirty="0"/>
           </a:p>
         </p:txBody>
       </p:sp>
@@ -19285,7 +19277,7 @@
           <a:bodyPr/>
           <a:lstStyle/>
           <a:p>
-            <a:endParaRPr lang="en-US"/>
+            <a:endParaRPr lang="en-US" dirty="0"/>
           </a:p>
         </p:txBody>
       </p:sp>
@@ -19308,7 +19300,7 @@
               <a:rPr lang="en-US" smtClean="0"/>
               <a:t>‹#›</a:t>
             </a:fld>
-            <a:endParaRPr lang="en-US"/>
+            <a:endParaRPr lang="en-US" dirty="0"/>
           </a:p>
         </p:txBody>
       </p:sp>
@@ -19651,7 +19643,7 @@
               <a:rPr lang="en-US" smtClean="0"/>
               <a:t>8/2/2025</a:t>
             </a:fld>
-            <a:endParaRPr lang="en-US"/>
+            <a:endParaRPr lang="en-US" dirty="0"/>
           </a:p>
         </p:txBody>
       </p:sp>
@@ -19670,7 +19662,7 @@
           <a:bodyPr/>
           <a:lstStyle/>
           <a:p>
-            <a:endParaRPr lang="en-US"/>
+            <a:endParaRPr lang="en-US" dirty="0"/>
           </a:p>
         </p:txBody>
       </p:sp>
@@ -19693,7 +19685,7 @@
               <a:rPr lang="en-US" smtClean="0"/>
               <a:t>‹#›</a:t>
             </a:fld>
-            <a:endParaRPr lang="en-US"/>
+            <a:endParaRPr lang="en-US" dirty="0"/>
           </a:p>
         </p:txBody>
       </p:sp>
@@ -20021,7 +20013,7 @@
               <a:rPr lang="en-US" smtClean="0"/>
               <a:t>8/2/2025</a:t>
             </a:fld>
-            <a:endParaRPr lang="en-US"/>
+            <a:endParaRPr lang="en-US" dirty="0"/>
           </a:p>
         </p:txBody>
       </p:sp>
@@ -20040,7 +20032,7 @@
           <a:bodyPr/>
           <a:lstStyle/>
           <a:p>
-            <a:endParaRPr lang="en-US"/>
+            <a:endParaRPr lang="en-US" dirty="0"/>
           </a:p>
         </p:txBody>
       </p:sp>
@@ -20148,7 +20140,7 @@
               <a:rPr lang="en-US" smtClean="0"/>
               <a:t>‹#›</a:t>
             </a:fld>
-            <a:endParaRPr lang="en-US"/>
+            <a:endParaRPr lang="en-US" dirty="0"/>
           </a:p>
         </p:txBody>
       </p:sp>
@@ -20224,7 +20216,7 @@
               <a:rPr lang="en-US" smtClean="0"/>
               <a:t>8/2/2025</a:t>
             </a:fld>
-            <a:endParaRPr lang="en-US"/>
+            <a:endParaRPr lang="en-US" dirty="0"/>
           </a:p>
         </p:txBody>
       </p:sp>
@@ -20243,7 +20235,7 @@
           <a:bodyPr/>
           <a:lstStyle/>
           <a:p>
-            <a:endParaRPr lang="en-US"/>
+            <a:endParaRPr lang="en-US" dirty="0"/>
           </a:p>
         </p:txBody>
       </p:sp>
@@ -20266,7 +20258,7 @@
               <a:rPr lang="en-US" smtClean="0"/>
               <a:t>‹#›</a:t>
             </a:fld>
-            <a:endParaRPr lang="en-US"/>
+            <a:endParaRPr lang="en-US" dirty="0"/>
           </a:p>
         </p:txBody>
       </p:sp>
@@ -20319,7 +20311,7 @@
               <a:rPr lang="en-US" smtClean="0"/>
               <a:t>8/2/2025</a:t>
             </a:fld>
-            <a:endParaRPr lang="en-US"/>
+            <a:endParaRPr lang="en-US" dirty="0"/>
           </a:p>
         </p:txBody>
       </p:sp>
@@ -20338,7 +20330,7 @@
           <a:bodyPr/>
           <a:lstStyle/>
           <a:p>
-            <a:endParaRPr lang="en-US"/>
+            <a:endParaRPr lang="en-US" dirty="0"/>
           </a:p>
         </p:txBody>
       </p:sp>
@@ -20361,7 +20353,7 @@
               <a:rPr lang="en-US" smtClean="0"/>
               <a:t>‹#›</a:t>
             </a:fld>
-            <a:endParaRPr lang="en-US"/>
+            <a:endParaRPr lang="en-US" dirty="0"/>
           </a:p>
         </p:txBody>
       </p:sp>
@@ -20572,7 +20564,7 @@
               <a:rPr lang="en-US" smtClean="0"/>
               <a:t>8/2/2025</a:t>
             </a:fld>
-            <a:endParaRPr lang="en-US"/>
+            <a:endParaRPr lang="en-US" dirty="0"/>
           </a:p>
         </p:txBody>
       </p:sp>
@@ -20591,7 +20583,7 @@
           <a:bodyPr/>
           <a:lstStyle/>
           <a:p>
-            <a:endParaRPr lang="en-US"/>
+            <a:endParaRPr lang="en-US" dirty="0"/>
           </a:p>
         </p:txBody>
       </p:sp>
@@ -20614,7 +20606,7 @@
               <a:rPr lang="en-US" smtClean="0"/>
               <a:t>‹#›</a:t>
             </a:fld>
-            <a:endParaRPr lang="en-US"/>
+            <a:endParaRPr lang="en-US" dirty="0"/>
           </a:p>
         </p:txBody>
       </p:sp>
@@ -20748,10 +20740,9 @@
           </a:lstStyle>
           <a:p>
             <a:r>
-              <a:rPr lang="en-US"/>
+              <a:rPr lang="en-US" dirty="0"/>
               <a:t>Click icon to add picture</a:t>
             </a:r>
-            <a:endParaRPr lang="en-US" dirty="0"/>
           </a:p>
         </p:txBody>
       </p:sp>
@@ -20841,7 +20832,7 @@
               <a:rPr lang="en-US" smtClean="0"/>
               <a:t>8/2/2025</a:t>
             </a:fld>
-            <a:endParaRPr lang="en-US"/>
+            <a:endParaRPr lang="en-US" dirty="0"/>
           </a:p>
         </p:txBody>
       </p:sp>
@@ -20860,7 +20851,7 @@
           <a:bodyPr/>
           <a:lstStyle/>
           <a:p>
-            <a:endParaRPr lang="en-US"/>
+            <a:endParaRPr lang="en-US" dirty="0"/>
           </a:p>
         </p:txBody>
       </p:sp>
@@ -20883,7 +20874,7 @@
               <a:rPr lang="en-US" smtClean="0"/>
               <a:t>‹#›</a:t>
             </a:fld>
-            <a:endParaRPr lang="en-US"/>
+            <a:endParaRPr lang="en-US" dirty="0"/>
           </a:p>
         </p:txBody>
       </p:sp>
@@ -21015,10 +21006,9 @@
           </a:lstStyle>
           <a:p>
             <a:r>
-              <a:rPr lang="en-US"/>
+              <a:rPr lang="en-US" dirty="0"/>
               <a:t>Click icon to add picture</a:t>
             </a:r>
-            <a:endParaRPr lang="en-US" dirty="0"/>
           </a:p>
         </p:txBody>
       </p:sp>
@@ -21106,7 +21096,7 @@
               <a:rPr lang="en-US" smtClean="0"/>
               <a:t>8/2/2025</a:t>
             </a:fld>
-            <a:endParaRPr lang="en-US"/>
+            <a:endParaRPr lang="en-US" dirty="0"/>
           </a:p>
         </p:txBody>
       </p:sp>
@@ -21125,7 +21115,7 @@
           <a:bodyPr/>
           <a:lstStyle/>
           <a:p>
-            <a:endParaRPr lang="en-US"/>
+            <a:endParaRPr lang="en-US" dirty="0"/>
           </a:p>
         </p:txBody>
       </p:sp>
@@ -21148,7 +21138,7 @@
               <a:rPr lang="en-US" smtClean="0"/>
               <a:t>‹#›</a:t>
             </a:fld>
-            <a:endParaRPr lang="en-US"/>
+            <a:endParaRPr lang="en-US" dirty="0"/>
           </a:p>
         </p:txBody>
       </p:sp>
@@ -21302,7 +21292,7 @@
               <a:rPr lang="en-US" smtClean="0"/>
               <a:t>8/2/2025</a:t>
             </a:fld>
-            <a:endParaRPr lang="en-US"/>
+            <a:endParaRPr lang="en-US" dirty="0"/>
           </a:p>
         </p:txBody>
       </p:sp>
@@ -21321,7 +21311,7 @@
           <a:bodyPr/>
           <a:lstStyle/>
           <a:p>
-            <a:endParaRPr lang="en-US"/>
+            <a:endParaRPr lang="en-US" dirty="0"/>
           </a:p>
         </p:txBody>
       </p:sp>
@@ -21344,7 +21334,7 @@
               <a:rPr lang="en-US" smtClean="0"/>
               <a:t>‹#›</a:t>
             </a:fld>
-            <a:endParaRPr lang="en-US"/>
+            <a:endParaRPr lang="en-US" dirty="0"/>
           </a:p>
         </p:txBody>
       </p:sp>
@@ -21572,7 +21562,7 @@
               <a:rPr lang="en-US" smtClean="0"/>
               <a:t>8/2/2025</a:t>
             </a:fld>
-            <a:endParaRPr lang="en-US"/>
+            <a:endParaRPr lang="en-US" dirty="0"/>
           </a:p>
         </p:txBody>
       </p:sp>
@@ -21591,7 +21581,7 @@
           <a:bodyPr/>
           <a:lstStyle/>
           <a:p>
-            <a:endParaRPr lang="en-US"/>
+            <a:endParaRPr lang="en-US" dirty="0"/>
           </a:p>
         </p:txBody>
       </p:sp>
@@ -21614,7 +21604,7 @@
               <a:rPr lang="en-US" smtClean="0"/>
               <a:t>‹#›</a:t>
             </a:fld>
-            <a:endParaRPr lang="en-US"/>
+            <a:endParaRPr lang="en-US" dirty="0"/>
           </a:p>
         </p:txBody>
       </p:sp>
@@ -22000,7 +21990,7 @@
               <a:rPr lang="en-US" smtClean="0"/>
               <a:t>8/2/2025</a:t>
             </a:fld>
-            <a:endParaRPr lang="en-US"/>
+            <a:endParaRPr lang="en-US" dirty="0"/>
           </a:p>
         </p:txBody>
       </p:sp>
@@ -22019,7 +22009,7 @@
           <a:bodyPr/>
           <a:lstStyle/>
           <a:p>
-            <a:endParaRPr lang="en-US"/>
+            <a:endParaRPr lang="en-US" dirty="0"/>
           </a:p>
         </p:txBody>
       </p:sp>
@@ -22042,7 +22032,7 @@
               <a:rPr lang="en-US" smtClean="0"/>
               <a:t>‹#›</a:t>
             </a:fld>
-            <a:endParaRPr lang="en-US"/>
+            <a:endParaRPr lang="en-US" dirty="0"/>
           </a:p>
         </p:txBody>
       </p:sp>
@@ -22550,7 +22540,7 @@
               <a:rPr lang="en-US" smtClean="0"/>
               <a:t>8/2/2025</a:t>
             </a:fld>
-            <a:endParaRPr lang="en-US"/>
+            <a:endParaRPr lang="en-US" dirty="0"/>
           </a:p>
         </p:txBody>
       </p:sp>
@@ -22569,7 +22559,7 @@
           <a:bodyPr/>
           <a:lstStyle/>
           <a:p>
-            <a:endParaRPr lang="en-US"/>
+            <a:endParaRPr lang="en-US" dirty="0"/>
           </a:p>
         </p:txBody>
       </p:sp>
@@ -22592,7 +22582,7 @@
               <a:rPr lang="en-US" smtClean="0"/>
               <a:t>‹#›</a:t>
             </a:fld>
-            <a:endParaRPr lang="en-US"/>
+            <a:endParaRPr lang="en-US" dirty="0"/>
           </a:p>
         </p:txBody>
       </p:sp>
@@ -22805,10 +22795,9 @@
           </a:lstStyle>
           <a:p>
             <a:r>
-              <a:rPr lang="en-US"/>
+              <a:rPr lang="en-US" dirty="0"/>
               <a:t>Click icon to add picture</a:t>
             </a:r>
-            <a:endParaRPr lang="en-US" dirty="0"/>
           </a:p>
         </p:txBody>
       </p:sp>
@@ -23026,10 +23015,9 @@
           </a:lstStyle>
           <a:p>
             <a:r>
-              <a:rPr lang="en-US"/>
+              <a:rPr lang="en-US" dirty="0"/>
               <a:t>Click icon to add picture</a:t>
             </a:r>
-            <a:endParaRPr lang="en-US" dirty="0"/>
           </a:p>
         </p:txBody>
       </p:sp>
@@ -23247,10 +23235,9 @@
           </a:lstStyle>
           <a:p>
             <a:r>
-              <a:rPr lang="en-US"/>
+              <a:rPr lang="en-US" dirty="0"/>
               <a:t>Click icon to add picture</a:t>
             </a:r>
-            <a:endParaRPr lang="en-US" dirty="0"/>
           </a:p>
         </p:txBody>
       </p:sp>
@@ -23340,7 +23327,7 @@
               <a:rPr lang="en-US" smtClean="0"/>
               <a:t>8/2/2025</a:t>
             </a:fld>
-            <a:endParaRPr lang="en-US"/>
+            <a:endParaRPr lang="en-US" dirty="0"/>
           </a:p>
         </p:txBody>
       </p:sp>
@@ -23359,7 +23346,7 @@
           <a:bodyPr/>
           <a:lstStyle/>
           <a:p>
-            <a:endParaRPr lang="en-US"/>
+            <a:endParaRPr lang="en-US" dirty="0"/>
           </a:p>
         </p:txBody>
       </p:sp>
@@ -23382,7 +23369,7 @@
               <a:rPr lang="en-US" smtClean="0"/>
               <a:t>‹#›</a:t>
             </a:fld>
-            <a:endParaRPr lang="en-US"/>
+            <a:endParaRPr lang="en-US" dirty="0"/>
           </a:p>
         </p:txBody>
       </p:sp>
@@ -23463,7 +23450,7 @@
               <a:rPr lang="en-US" smtClean="0"/>
               <a:t>8/2/2025</a:t>
             </a:fld>
-            <a:endParaRPr lang="en-US"/>
+            <a:endParaRPr lang="en-US" dirty="0"/>
           </a:p>
         </p:txBody>
       </p:sp>
@@ -23482,7 +23469,7 @@
           <a:bodyPr/>
           <a:lstStyle/>
           <a:p>
-            <a:endParaRPr lang="en-US"/>
+            <a:endParaRPr lang="en-US" dirty="0"/>
           </a:p>
         </p:txBody>
       </p:sp>
@@ -23585,7 +23572,7 @@
               <a:rPr lang="en-US" smtClean="0"/>
               <a:t>‹#›</a:t>
             </a:fld>
-            <a:endParaRPr lang="en-US"/>
+            <a:endParaRPr lang="en-US" dirty="0"/>
           </a:p>
         </p:txBody>
       </p:sp>
@@ -23722,7 +23709,7 @@
               <a:rPr lang="en-US" smtClean="0"/>
               <a:t>8/2/2025</a:t>
             </a:fld>
-            <a:endParaRPr lang="en-US"/>
+            <a:endParaRPr lang="en-US" dirty="0"/>
           </a:p>
         </p:txBody>
       </p:sp>
@@ -23741,7 +23728,7 @@
           <a:bodyPr/>
           <a:lstStyle/>
           <a:p>
-            <a:endParaRPr lang="en-US"/>
+            <a:endParaRPr lang="en-US" dirty="0"/>
           </a:p>
         </p:txBody>
       </p:sp>
@@ -23764,7 +23751,7 @@
               <a:rPr lang="en-US" smtClean="0"/>
               <a:t>‹#›</a:t>
             </a:fld>
-            <a:endParaRPr lang="en-US"/>
+            <a:endParaRPr lang="en-US" dirty="0"/>
           </a:p>
         </p:txBody>
       </p:sp>
@@ -23906,7 +23893,7 @@
               <a:rPr lang="en-US" smtClean="0"/>
               <a:t>8/2/2025</a:t>
             </a:fld>
-            <a:endParaRPr lang="en-US"/>
+            <a:endParaRPr lang="en-US" dirty="0"/>
           </a:p>
         </p:txBody>
       </p:sp>
@@ -23925,7 +23912,7 @@
           <a:bodyPr/>
           <a:lstStyle/>
           <a:p>
-            <a:endParaRPr lang="en-US"/>
+            <a:endParaRPr lang="en-US" dirty="0"/>
           </a:p>
         </p:txBody>
       </p:sp>
@@ -23948,7 +23935,7 @@
               <a:rPr lang="en-US" smtClean="0"/>
               <a:t>‹#›</a:t>
             </a:fld>
-            <a:endParaRPr lang="en-US"/>
+            <a:endParaRPr lang="en-US" dirty="0"/>
           </a:p>
         </p:txBody>
       </p:sp>
@@ -24086,7 +24073,7 @@
               <a:rPr lang="en-US" smtClean="0"/>
               <a:t>8/2/2025</a:t>
             </a:fld>
-            <a:endParaRPr lang="en-US"/>
+            <a:endParaRPr lang="en-US" dirty="0"/>
           </a:p>
         </p:txBody>
       </p:sp>
@@ -24105,7 +24092,7 @@
           <a:bodyPr/>
           <a:lstStyle/>
           <a:p>
-            <a:endParaRPr lang="en-US"/>
+            <a:endParaRPr lang="en-US" dirty="0"/>
           </a:p>
         </p:txBody>
       </p:sp>
@@ -24128,7 +24115,7 @@
               <a:rPr lang="en-US" smtClean="0"/>
               <a:t>‹#›</a:t>
             </a:fld>
-            <a:endParaRPr lang="en-US"/>
+            <a:endParaRPr lang="en-US" dirty="0"/>
           </a:p>
         </p:txBody>
       </p:sp>
@@ -24581,7 +24568,7 @@
             </a:ln>
             <a:extLst>
               <a:ext uri="{91240B29-F687-4f45-9708-019B960494DF}">
-                <a14:hiddenLine xmlns="" xmlns:a14="http://schemas.microsoft.com/office/drawing/2010/main" w="9525">
+                <a14:hiddenLine xmlns:a14="http://schemas.microsoft.com/office/drawing/2010/main" xmlns="" w="9525">
                   <a:solidFill>
                     <a:srgbClr val="000000"/>
                   </a:solidFill>
@@ -24780,7 +24767,7 @@
               <a:rPr lang="en-US" smtClean="0"/>
               <a:t>8/2/2025</a:t>
             </a:fld>
-            <a:endParaRPr lang="en-US"/>
+            <a:endParaRPr lang="en-US" dirty="0"/>
           </a:p>
         </p:txBody>
       </p:sp>
@@ -24814,7 +24801,7 @@
             </a:lvl1pPr>
           </a:lstStyle>
           <a:p>
-            <a:endParaRPr lang="en-US"/>
+            <a:endParaRPr lang="en-US" dirty="0"/>
           </a:p>
         </p:txBody>
       </p:sp>
@@ -24885,7 +24872,7 @@
               <a:rPr lang="en-US" smtClean="0"/>
               <a:t>‹#›</a:t>
             </a:fld>
-            <a:endParaRPr lang="en-US"/>
+            <a:endParaRPr lang="en-US" dirty="0"/>
           </a:p>
         </p:txBody>
       </p:sp>
@@ -25022,7 +25009,7 @@
               <a:rPr lang="en-US" smtClean="0"/>
               <a:t>8/2/2025</a:t>
             </a:fld>
-            <a:endParaRPr lang="en-US"/>
+            <a:endParaRPr lang="en-US" dirty="0"/>
           </a:p>
         </p:txBody>
       </p:sp>
@@ -25041,7 +25028,7 @@
           <a:bodyPr/>
           <a:lstStyle/>
           <a:p>
-            <a:endParaRPr lang="en-US"/>
+            <a:endParaRPr lang="en-US" dirty="0"/>
           </a:p>
         </p:txBody>
       </p:sp>
@@ -25076,7 +25063,7 @@
               <a:rPr lang="en-US" smtClean="0"/>
               <a:t>‹#›</a:t>
             </a:fld>
-            <a:endParaRPr lang="en-US"/>
+            <a:endParaRPr lang="en-US" dirty="0"/>
           </a:p>
         </p:txBody>
       </p:sp>
@@ -25849,7 +25836,7 @@
             </a:ln>
             <a:extLst>
               <a:ext uri="{91240B29-F687-4f45-9708-019B960494DF}">
-                <a14:hiddenLine xmlns="" xmlns:a14="http://schemas.microsoft.com/office/drawing/2010/main" w="9525">
+                <a14:hiddenLine xmlns:a14="http://schemas.microsoft.com/office/drawing/2010/main" xmlns="" w="9525">
                   <a:solidFill>
                     <a:srgbClr val="000000"/>
                   </a:solidFill>
@@ -26033,7 +26020,7 @@
               <a:rPr lang="en-US" smtClean="0"/>
               <a:t>8/2/2025</a:t>
             </a:fld>
-            <a:endParaRPr lang="en-US"/>
+            <a:endParaRPr lang="en-US" dirty="0"/>
           </a:p>
         </p:txBody>
       </p:sp>
@@ -26052,7 +26039,7 @@
           <a:bodyPr/>
           <a:lstStyle/>
           <a:p>
-            <a:endParaRPr lang="en-US"/>
+            <a:endParaRPr lang="en-US" dirty="0"/>
           </a:p>
         </p:txBody>
       </p:sp>
@@ -26123,7 +26110,7 @@
               <a:rPr lang="en-US" smtClean="0"/>
               <a:t>‹#›</a:t>
             </a:fld>
-            <a:endParaRPr lang="en-US"/>
+            <a:endParaRPr lang="en-US" dirty="0"/>
           </a:p>
         </p:txBody>
       </p:sp>
@@ -26317,7 +26304,7 @@
               <a:rPr lang="en-US" smtClean="0"/>
               <a:t>8/2/2025</a:t>
             </a:fld>
-            <a:endParaRPr lang="en-US"/>
+            <a:endParaRPr lang="en-US" dirty="0"/>
           </a:p>
         </p:txBody>
       </p:sp>
@@ -26336,7 +26323,7 @@
           <a:bodyPr/>
           <a:lstStyle/>
           <a:p>
-            <a:endParaRPr lang="en-US"/>
+            <a:endParaRPr lang="en-US" dirty="0"/>
           </a:p>
         </p:txBody>
       </p:sp>
@@ -26371,7 +26358,7 @@
               <a:rPr lang="en-US" smtClean="0"/>
               <a:t>‹#›</a:t>
             </a:fld>
-            <a:endParaRPr lang="en-US"/>
+            <a:endParaRPr lang="en-US" dirty="0"/>
           </a:p>
         </p:txBody>
       </p:sp>
@@ -26717,7 +26704,7 @@
               <a:rPr lang="en-US" smtClean="0"/>
               <a:t>8/2/2025</a:t>
             </a:fld>
-            <a:endParaRPr lang="en-US"/>
+            <a:endParaRPr lang="en-US" dirty="0"/>
           </a:p>
         </p:txBody>
       </p:sp>
@@ -26736,7 +26723,7 @@
           <a:bodyPr/>
           <a:lstStyle/>
           <a:p>
-            <a:endParaRPr lang="en-US"/>
+            <a:endParaRPr lang="en-US" dirty="0"/>
           </a:p>
         </p:txBody>
       </p:sp>
@@ -26771,7 +26758,7 @@
               <a:rPr lang="en-US" smtClean="0"/>
               <a:t>‹#›</a:t>
             </a:fld>
-            <a:endParaRPr lang="en-US"/>
+            <a:endParaRPr lang="en-US" dirty="0"/>
           </a:p>
         </p:txBody>
       </p:sp>
@@ -26847,7 +26834,7 @@
               <a:rPr lang="en-US" smtClean="0"/>
               <a:t>8/2/2025</a:t>
             </a:fld>
-            <a:endParaRPr lang="en-US"/>
+            <a:endParaRPr lang="en-US" dirty="0"/>
           </a:p>
         </p:txBody>
       </p:sp>
@@ -26866,7 +26853,7 @@
           <a:bodyPr/>
           <a:lstStyle/>
           <a:p>
-            <a:endParaRPr lang="en-US"/>
+            <a:endParaRPr lang="en-US" dirty="0"/>
           </a:p>
         </p:txBody>
       </p:sp>
@@ -26901,7 +26888,7 @@
               <a:rPr lang="en-US" smtClean="0"/>
               <a:t>‹#›</a:t>
             </a:fld>
-            <a:endParaRPr lang="en-US"/>
+            <a:endParaRPr lang="en-US" dirty="0"/>
           </a:p>
         </p:txBody>
       </p:sp>
@@ -26990,7 +26977,7 @@
               <a:rPr lang="en-US" smtClean="0"/>
               <a:t>8/2/2025</a:t>
             </a:fld>
-            <a:endParaRPr lang="en-US"/>
+            <a:endParaRPr lang="en-US" dirty="0"/>
           </a:p>
         </p:txBody>
       </p:sp>
@@ -27009,7 +26996,7 @@
           <a:bodyPr/>
           <a:lstStyle/>
           <a:p>
-            <a:endParaRPr lang="en-US"/>
+            <a:endParaRPr lang="en-US" dirty="0"/>
           </a:p>
         </p:txBody>
       </p:sp>
@@ -27044,7 +27031,7 @@
               <a:rPr lang="en-US" smtClean="0"/>
               <a:t>‹#›</a:t>
             </a:fld>
-            <a:endParaRPr lang="en-US"/>
+            <a:endParaRPr lang="en-US" dirty="0"/>
           </a:p>
         </p:txBody>
       </p:sp>
@@ -27097,7 +27084,7 @@
               <a:rPr lang="en-US" smtClean="0"/>
               <a:t>8/2/2025</a:t>
             </a:fld>
-            <a:endParaRPr lang="en-US"/>
+            <a:endParaRPr lang="en-US" dirty="0"/>
           </a:p>
         </p:txBody>
       </p:sp>
@@ -27116,7 +27103,7 @@
           <a:bodyPr/>
           <a:lstStyle/>
           <a:p>
-            <a:endParaRPr lang="en-US"/>
+            <a:endParaRPr lang="en-US" dirty="0"/>
           </a:p>
         </p:txBody>
       </p:sp>
@@ -27219,7 +27206,7 @@
               <a:rPr lang="en-US" smtClean="0"/>
               <a:t>‹#›</a:t>
             </a:fld>
-            <a:endParaRPr lang="en-US"/>
+            <a:endParaRPr lang="en-US" dirty="0"/>
           </a:p>
         </p:txBody>
       </p:sp>
@@ -27992,7 +27979,7 @@
             </a:ln>
             <a:extLst>
               <a:ext uri="{91240B29-F687-4f45-9708-019B960494DF}">
-                <a14:hiddenLine xmlns="" xmlns:a14="http://schemas.microsoft.com/office/drawing/2010/main" w="9525">
+                <a14:hiddenLine xmlns:a14="http://schemas.microsoft.com/office/drawing/2010/main" xmlns="" w="9525">
                   <a:solidFill>
                     <a:srgbClr val="000000"/>
                   </a:solidFill>
@@ -28187,7 +28174,7 @@
               <a:rPr lang="en-US" smtClean="0"/>
               <a:t>8/2/2025</a:t>
             </a:fld>
-            <a:endParaRPr lang="en-US"/>
+            <a:endParaRPr lang="en-US" dirty="0"/>
           </a:p>
         </p:txBody>
       </p:sp>
@@ -28206,7 +28193,7 @@
           <a:bodyPr/>
           <a:lstStyle/>
           <a:p>
-            <a:endParaRPr lang="en-US"/>
+            <a:endParaRPr lang="en-US" dirty="0"/>
           </a:p>
         </p:txBody>
       </p:sp>
@@ -28277,7 +28264,7 @@
               <a:rPr lang="en-US" smtClean="0"/>
               <a:t>‹#›</a:t>
             </a:fld>
-            <a:endParaRPr lang="en-US"/>
+            <a:endParaRPr lang="en-US" dirty="0"/>
           </a:p>
         </p:txBody>
       </p:sp>
@@ -29050,7 +29037,7 @@
             </a:ln>
             <a:extLst>
               <a:ext uri="{91240B29-F687-4f45-9708-019B960494DF}">
-                <a14:hiddenLine xmlns="" xmlns:a14="http://schemas.microsoft.com/office/drawing/2010/main" w="9525">
+                <a14:hiddenLine xmlns:a14="http://schemas.microsoft.com/office/drawing/2010/main" xmlns="" w="9525">
                   <a:solidFill>
                     <a:srgbClr val="000000"/>
                   </a:solidFill>
@@ -29169,10 +29156,9 @@
           </a:lstStyle>
           <a:p>
             <a:r>
-              <a:rPr lang="en-US"/>
+              <a:rPr lang="en-US" dirty="0"/>
               <a:t>Click icon to add picture</a:t>
             </a:r>
-            <a:endParaRPr lang="en-US" dirty="0"/>
           </a:p>
         </p:txBody>
       </p:sp>
@@ -29269,7 +29255,7 @@
               <a:rPr lang="en-US" smtClean="0"/>
               <a:t>8/2/2025</a:t>
             </a:fld>
-            <a:endParaRPr lang="en-US"/>
+            <a:endParaRPr lang="en-US" dirty="0"/>
           </a:p>
         </p:txBody>
       </p:sp>
@@ -29288,7 +29274,7 @@
           <a:bodyPr/>
           <a:lstStyle/>
           <a:p>
-            <a:endParaRPr lang="en-US"/>
+            <a:endParaRPr lang="en-US" dirty="0"/>
           </a:p>
         </p:txBody>
       </p:sp>
@@ -29359,7 +29345,7 @@
               <a:rPr lang="en-US" smtClean="0"/>
               <a:t>‹#›</a:t>
             </a:fld>
-            <a:endParaRPr lang="en-US"/>
+            <a:endParaRPr lang="en-US" dirty="0"/>
           </a:p>
         </p:txBody>
       </p:sp>
@@ -30136,7 +30122,7 @@
             </a:ln>
             <a:extLst>
               <a:ext uri="{91240B29-F687-4f45-9708-019B960494DF}">
-                <a14:hiddenLine xmlns="" xmlns:a14="http://schemas.microsoft.com/office/drawing/2010/main" w="9525">
+                <a14:hiddenLine xmlns:a14="http://schemas.microsoft.com/office/drawing/2010/main" xmlns="" w="9525">
                   <a:solidFill>
                     <a:srgbClr val="000000"/>
                   </a:solidFill>
@@ -30255,10 +30241,9 @@
           </a:lstStyle>
           <a:p>
             <a:r>
-              <a:rPr lang="en-US"/>
+              <a:rPr lang="en-US" dirty="0"/>
               <a:t>Click icon to add picture</a:t>
             </a:r>
-            <a:endParaRPr lang="en-US" dirty="0"/>
           </a:p>
         </p:txBody>
       </p:sp>
@@ -30355,7 +30340,7 @@
               <a:rPr lang="en-US" smtClean="0"/>
               <a:t>8/2/2025</a:t>
             </a:fld>
-            <a:endParaRPr lang="en-US"/>
+            <a:endParaRPr lang="en-US" dirty="0"/>
           </a:p>
         </p:txBody>
       </p:sp>
@@ -30374,7 +30359,7 @@
           <a:bodyPr/>
           <a:lstStyle/>
           <a:p>
-            <a:endParaRPr lang="en-US"/>
+            <a:endParaRPr lang="en-US" dirty="0"/>
           </a:p>
         </p:txBody>
       </p:sp>
@@ -30445,7 +30430,7 @@
               <a:rPr lang="en-US" smtClean="0"/>
               <a:t>‹#›</a:t>
             </a:fld>
-            <a:endParaRPr lang="en-US"/>
+            <a:endParaRPr lang="en-US" dirty="0"/>
           </a:p>
         </p:txBody>
       </p:sp>
@@ -31222,7 +31207,7 @@
             </a:ln>
             <a:extLst>
               <a:ext uri="{91240B29-F687-4f45-9708-019B960494DF}">
-                <a14:hiddenLine xmlns="" xmlns:a14="http://schemas.microsoft.com/office/drawing/2010/main" w="9525">
+                <a14:hiddenLine xmlns:a14="http://schemas.microsoft.com/office/drawing/2010/main" xmlns="" w="9525">
                   <a:solidFill>
                     <a:srgbClr val="000000"/>
                   </a:solidFill>
@@ -31353,7 +31338,7 @@
               <a:rPr lang="en-US" smtClean="0"/>
               <a:t>8/2/2025</a:t>
             </a:fld>
-            <a:endParaRPr lang="en-US"/>
+            <a:endParaRPr lang="en-US" dirty="0"/>
           </a:p>
         </p:txBody>
       </p:sp>
@@ -31372,7 +31357,7 @@
           <a:bodyPr/>
           <a:lstStyle/>
           <a:p>
-            <a:endParaRPr lang="en-US"/>
+            <a:endParaRPr lang="en-US" dirty="0"/>
           </a:p>
         </p:txBody>
       </p:sp>
@@ -31443,7 +31428,7 @@
               <a:rPr lang="en-US" smtClean="0"/>
               <a:t>‹#›</a:t>
             </a:fld>
-            <a:endParaRPr lang="en-US"/>
+            <a:endParaRPr lang="en-US" dirty="0"/>
           </a:p>
         </p:txBody>
       </p:sp>
@@ -32183,7 +32168,7 @@
             </a:ln>
             <a:extLst>
               <a:ext uri="{91240B29-F687-4f45-9708-019B960494DF}">
-                <a14:hiddenLine xmlns="" xmlns:a14="http://schemas.microsoft.com/office/drawing/2010/main" w="9525">
+                <a14:hiddenLine xmlns:a14="http://schemas.microsoft.com/office/drawing/2010/main" xmlns="" w="9525">
                   <a:solidFill>
                     <a:srgbClr val="000000"/>
                   </a:solidFill>
@@ -32468,7 +32453,7 @@
               <a:rPr lang="en-US" smtClean="0"/>
               <a:t>8/2/2025</a:t>
             </a:fld>
-            <a:endParaRPr lang="en-US"/>
+            <a:endParaRPr lang="en-US" dirty="0"/>
           </a:p>
         </p:txBody>
       </p:sp>
@@ -32487,7 +32472,7 @@
           <a:bodyPr/>
           <a:lstStyle/>
           <a:p>
-            <a:endParaRPr lang="en-US"/>
+            <a:endParaRPr lang="en-US" dirty="0"/>
           </a:p>
         </p:txBody>
       </p:sp>
@@ -32558,7 +32543,7 @@
               <a:rPr lang="en-US" smtClean="0"/>
               <a:t>‹#›</a:t>
             </a:fld>
-            <a:endParaRPr lang="en-US"/>
+            <a:endParaRPr lang="en-US" dirty="0"/>
           </a:p>
         </p:txBody>
       </p:sp>
@@ -33298,7 +33283,7 @@
             </a:ln>
             <a:extLst>
               <a:ext uri="{91240B29-F687-4f45-9708-019B960494DF}">
-                <a14:hiddenLine xmlns="" xmlns:a14="http://schemas.microsoft.com/office/drawing/2010/main" w="9525">
+                <a14:hiddenLine xmlns:a14="http://schemas.microsoft.com/office/drawing/2010/main" xmlns="" w="9525">
                   <a:solidFill>
                     <a:srgbClr val="000000"/>
                   </a:solidFill>
@@ -33482,7 +33467,7 @@
               <a:rPr lang="en-US" smtClean="0"/>
               <a:t>8/2/2025</a:t>
             </a:fld>
-            <a:endParaRPr lang="en-US"/>
+            <a:endParaRPr lang="en-US" dirty="0"/>
           </a:p>
         </p:txBody>
       </p:sp>
@@ -33501,7 +33486,7 @@
           <a:bodyPr/>
           <a:lstStyle/>
           <a:p>
-            <a:endParaRPr lang="en-US"/>
+            <a:endParaRPr lang="en-US" dirty="0"/>
           </a:p>
         </p:txBody>
       </p:sp>
@@ -33572,7 +33557,7 @@
               <a:rPr lang="en-US" smtClean="0"/>
               <a:t>‹#›</a:t>
             </a:fld>
-            <a:endParaRPr lang="en-US"/>
+            <a:endParaRPr lang="en-US" dirty="0"/>
           </a:p>
         </p:txBody>
       </p:sp>
@@ -34154,7 +34139,7 @@
               <a:rPr lang="en-US" smtClean="0"/>
               <a:t>8/2/2025</a:t>
             </a:fld>
-            <a:endParaRPr lang="en-US"/>
+            <a:endParaRPr lang="en-US" dirty="0"/>
           </a:p>
         </p:txBody>
       </p:sp>
@@ -34173,7 +34158,7 @@
           <a:bodyPr/>
           <a:lstStyle/>
           <a:p>
-            <a:endParaRPr lang="en-US"/>
+            <a:endParaRPr lang="en-US" dirty="0"/>
           </a:p>
         </p:txBody>
       </p:sp>
@@ -34208,7 +34193,7 @@
               <a:rPr lang="en-US" smtClean="0"/>
               <a:t>‹#›</a:t>
             </a:fld>
-            <a:endParaRPr lang="en-US"/>
+            <a:endParaRPr lang="en-US" dirty="0"/>
           </a:p>
         </p:txBody>
       </p:sp>
@@ -34420,10 +34405,9 @@
           </a:lstStyle>
           <a:p>
             <a:r>
-              <a:rPr lang="en-US"/>
+              <a:rPr lang="en-US" dirty="0"/>
               <a:t>Click icon to add picture</a:t>
             </a:r>
-            <a:endParaRPr lang="en-US" dirty="0"/>
           </a:p>
         </p:txBody>
       </p:sp>
@@ -34640,10 +34624,9 @@
           </a:lstStyle>
           <a:p>
             <a:r>
-              <a:rPr lang="en-US"/>
+              <a:rPr lang="en-US" dirty="0"/>
               <a:t>Click icon to add picture</a:t>
             </a:r>
-            <a:endParaRPr lang="en-US" dirty="0"/>
           </a:p>
         </p:txBody>
       </p:sp>
@@ -34860,10 +34843,9 @@
           </a:lstStyle>
           <a:p>
             <a:r>
-              <a:rPr lang="en-US"/>
+              <a:rPr lang="en-US" dirty="0"/>
               <a:t>Click icon to add picture</a:t>
             </a:r>
-            <a:endParaRPr lang="en-US" dirty="0"/>
           </a:p>
         </p:txBody>
       </p:sp>
@@ -35027,7 +35009,7 @@
               <a:rPr lang="en-US" smtClean="0"/>
               <a:t>8/2/2025</a:t>
             </a:fld>
-            <a:endParaRPr lang="en-US"/>
+            <a:endParaRPr lang="en-US" dirty="0"/>
           </a:p>
         </p:txBody>
       </p:sp>
@@ -35046,7 +35028,7 @@
           <a:bodyPr/>
           <a:lstStyle/>
           <a:p>
-            <a:endParaRPr lang="en-US"/>
+            <a:endParaRPr lang="en-US" dirty="0"/>
           </a:p>
         </p:txBody>
       </p:sp>
@@ -35081,7 +35063,7 @@
               <a:rPr lang="en-US" smtClean="0"/>
               <a:t>‹#›</a:t>
             </a:fld>
-            <a:endParaRPr lang="en-US"/>
+            <a:endParaRPr lang="en-US" dirty="0"/>
           </a:p>
         </p:txBody>
       </p:sp>
@@ -35214,7 +35196,7 @@
               <a:rPr lang="en-US" smtClean="0"/>
               <a:t>8/2/2025</a:t>
             </a:fld>
-            <a:endParaRPr lang="en-US"/>
+            <a:endParaRPr lang="en-US" dirty="0"/>
           </a:p>
         </p:txBody>
       </p:sp>
@@ -35238,7 +35220,7 @@
           <a:bodyPr/>
           <a:lstStyle/>
           <a:p>
-            <a:endParaRPr lang="en-US"/>
+            <a:endParaRPr lang="en-US" dirty="0"/>
           </a:p>
         </p:txBody>
       </p:sp>
@@ -35273,7 +35255,7 @@
               <a:rPr lang="en-US" smtClean="0"/>
               <a:t>‹#›</a:t>
             </a:fld>
-            <a:endParaRPr lang="en-US"/>
+            <a:endParaRPr lang="en-US" dirty="0"/>
           </a:p>
         </p:txBody>
       </p:sp>
@@ -36047,7 +36029,7 @@
           </a:ln>
           <a:extLst>
             <a:ext uri="{91240B29-F687-4f45-9708-019B960494DF}">
-              <a14:hiddenLine xmlns="" xmlns:a14="http://schemas.microsoft.com/office/drawing/2010/main" w="9525">
+              <a14:hiddenLine xmlns:a14="http://schemas.microsoft.com/office/drawing/2010/main" xmlns="" w="9525">
                 <a:solidFill>
                   <a:srgbClr val="000000"/>
                 </a:solidFill>
@@ -36163,7 +36145,7 @@
               <a:rPr lang="en-US" smtClean="0"/>
               <a:t>8/2/2025</a:t>
             </a:fld>
-            <a:endParaRPr lang="en-US"/>
+            <a:endParaRPr lang="en-US" dirty="0"/>
           </a:p>
         </p:txBody>
       </p:sp>
@@ -36187,7 +36169,7 @@
           <a:bodyPr/>
           <a:lstStyle/>
           <a:p>
-            <a:endParaRPr lang="en-US"/>
+            <a:endParaRPr lang="en-US" dirty="0"/>
           </a:p>
         </p:txBody>
       </p:sp>
@@ -36258,7 +36240,7 @@
               <a:rPr lang="en-US" smtClean="0"/>
               <a:t>‹#›</a:t>
             </a:fld>
-            <a:endParaRPr lang="en-US"/>
+            <a:endParaRPr lang="en-US" dirty="0"/>
           </a:p>
         </p:txBody>
       </p:sp>
@@ -36467,7 +36449,7 @@
               <a:rPr lang="en-US" smtClean="0"/>
               <a:t>8/2/2025</a:t>
             </a:fld>
-            <a:endParaRPr lang="en-US"/>
+            <a:endParaRPr lang="en-US" dirty="0"/>
           </a:p>
         </p:txBody>
       </p:sp>
@@ -36486,7 +36468,7 @@
           <a:bodyPr/>
           <a:lstStyle/>
           <a:p>
-            <a:endParaRPr lang="en-US"/>
+            <a:endParaRPr lang="en-US" dirty="0"/>
           </a:p>
         </p:txBody>
       </p:sp>
@@ -36589,7 +36571,7 @@
               <a:rPr lang="en-US" smtClean="0"/>
               <a:t>‹#›</a:t>
             </a:fld>
-            <a:endParaRPr lang="en-US"/>
+            <a:endParaRPr lang="en-US" dirty="0"/>
           </a:p>
         </p:txBody>
       </p:sp>
@@ -36805,7 +36787,7 @@
               <a:rPr lang="en-US" smtClean="0"/>
               <a:t>8/2/2025</a:t>
             </a:fld>
-            <a:endParaRPr lang="en-US"/>
+            <a:endParaRPr lang="en-US" dirty="0"/>
           </a:p>
         </p:txBody>
       </p:sp>
@@ -36832,7 +36814,7 @@
             </a:lvl1pPr>
           </a:lstStyle>
           <a:p>
-            <a:endParaRPr lang="en-US"/>
+            <a:endParaRPr lang="en-US" dirty="0"/>
           </a:p>
         </p:txBody>
       </p:sp>
@@ -36863,7 +36845,7 @@
               <a:rPr lang="en-US" smtClean="0"/>
               <a:t>‹#›</a:t>
             </a:fld>
-            <a:endParaRPr lang="en-US"/>
+            <a:endParaRPr lang="en-US" dirty="0"/>
           </a:p>
         </p:txBody>
       </p:sp>
@@ -37033,7 +37015,7 @@
               <a:rPr lang="en-US" smtClean="0"/>
               <a:t>8/2/2025</a:t>
             </a:fld>
-            <a:endParaRPr lang="en-US"/>
+            <a:endParaRPr lang="en-US" dirty="0"/>
           </a:p>
         </p:txBody>
       </p:sp>
@@ -37052,7 +37034,7 @@
           <a:bodyPr/>
           <a:lstStyle/>
           <a:p>
-            <a:endParaRPr lang="en-US"/>
+            <a:endParaRPr lang="en-US" dirty="0"/>
           </a:p>
         </p:txBody>
       </p:sp>
@@ -37075,7 +37057,7 @@
               <a:rPr lang="en-US" smtClean="0"/>
               <a:t>‹#›</a:t>
             </a:fld>
-            <a:endParaRPr lang="en-US"/>
+            <a:endParaRPr lang="en-US" dirty="0"/>
           </a:p>
         </p:txBody>
       </p:sp>
@@ -37284,7 +37266,7 @@
               <a:rPr lang="en-US" smtClean="0"/>
               <a:t>8/2/2025</a:t>
             </a:fld>
-            <a:endParaRPr lang="en-US"/>
+            <a:endParaRPr lang="en-US" dirty="0"/>
           </a:p>
         </p:txBody>
       </p:sp>
@@ -37303,7 +37285,7 @@
           <a:bodyPr/>
           <a:lstStyle/>
           <a:p>
-            <a:endParaRPr lang="en-US"/>
+            <a:endParaRPr lang="en-US" dirty="0"/>
           </a:p>
         </p:txBody>
       </p:sp>
@@ -37326,7 +37308,7 @@
               <a:rPr lang="en-US" smtClean="0"/>
               <a:t>‹#›</a:t>
             </a:fld>
-            <a:endParaRPr lang="en-US"/>
+            <a:endParaRPr lang="en-US" dirty="0"/>
           </a:p>
         </p:txBody>
       </p:sp>
@@ -37607,7 +37589,7 @@
               <a:rPr lang="en-US" smtClean="0"/>
               <a:t>8/2/2025</a:t>
             </a:fld>
-            <a:endParaRPr lang="en-US"/>
+            <a:endParaRPr lang="en-US" dirty="0"/>
           </a:p>
         </p:txBody>
       </p:sp>
@@ -37626,7 +37608,7 @@
           <a:bodyPr/>
           <a:lstStyle/>
           <a:p>
-            <a:endParaRPr lang="en-US"/>
+            <a:endParaRPr lang="en-US" dirty="0"/>
           </a:p>
         </p:txBody>
       </p:sp>
@@ -37649,7 +37631,7 @@
               <a:rPr lang="en-US" smtClean="0"/>
               <a:t>‹#›</a:t>
             </a:fld>
-            <a:endParaRPr lang="en-US"/>
+            <a:endParaRPr lang="en-US" dirty="0"/>
           </a:p>
         </p:txBody>
       </p:sp>
@@ -38031,7 +38013,7 @@
               <a:rPr lang="en-US" smtClean="0"/>
               <a:t>8/2/2025</a:t>
             </a:fld>
-            <a:endParaRPr lang="en-US"/>
+            <a:endParaRPr lang="en-US" dirty="0"/>
           </a:p>
         </p:txBody>
       </p:sp>
@@ -38050,7 +38032,7 @@
           <a:bodyPr/>
           <a:lstStyle/>
           <a:p>
-            <a:endParaRPr lang="en-US"/>
+            <a:endParaRPr lang="en-US" dirty="0"/>
           </a:p>
         </p:txBody>
       </p:sp>
@@ -38073,7 +38055,7 @@
               <a:rPr lang="en-US" smtClean="0"/>
               <a:t>‹#›</a:t>
             </a:fld>
-            <a:endParaRPr lang="en-US"/>
+            <a:endParaRPr lang="en-US" dirty="0"/>
           </a:p>
         </p:txBody>
       </p:sp>
@@ -38149,7 +38131,7 @@
               <a:rPr lang="en-US" smtClean="0"/>
               <a:t>8/2/2025</a:t>
             </a:fld>
-            <a:endParaRPr lang="en-US"/>
+            <a:endParaRPr lang="en-US" dirty="0"/>
           </a:p>
         </p:txBody>
       </p:sp>
@@ -38168,7 +38150,7 @@
           <a:bodyPr/>
           <a:lstStyle/>
           <a:p>
-            <a:endParaRPr lang="en-US"/>
+            <a:endParaRPr lang="en-US" dirty="0"/>
           </a:p>
         </p:txBody>
       </p:sp>
@@ -38191,7 +38173,7 @@
               <a:rPr lang="en-US" smtClean="0"/>
               <a:t>‹#›</a:t>
             </a:fld>
-            <a:endParaRPr lang="en-US"/>
+            <a:endParaRPr lang="en-US" dirty="0"/>
           </a:p>
         </p:txBody>
       </p:sp>
@@ -38244,7 +38226,7 @@
               <a:rPr lang="en-US" smtClean="0"/>
               <a:t>8/2/2025</a:t>
             </a:fld>
-            <a:endParaRPr lang="en-US"/>
+            <a:endParaRPr lang="en-US" dirty="0"/>
           </a:p>
         </p:txBody>
       </p:sp>
@@ -38263,7 +38245,7 @@
           <a:bodyPr/>
           <a:lstStyle/>
           <a:p>
-            <a:endParaRPr lang="en-US"/>
+            <a:endParaRPr lang="en-US" dirty="0"/>
           </a:p>
         </p:txBody>
       </p:sp>
@@ -38286,7 +38268,7 @@
               <a:rPr lang="en-US" smtClean="0"/>
               <a:t>‹#›</a:t>
             </a:fld>
-            <a:endParaRPr lang="en-US"/>
+            <a:endParaRPr lang="en-US" dirty="0"/>
           </a:p>
         </p:txBody>
       </p:sp>
@@ -38534,7 +38516,7 @@
               <a:rPr lang="en-US" smtClean="0"/>
               <a:t>8/2/2025</a:t>
             </a:fld>
-            <a:endParaRPr lang="en-US"/>
+            <a:endParaRPr lang="en-US" dirty="0"/>
           </a:p>
         </p:txBody>
       </p:sp>
@@ -38553,7 +38535,7 @@
           <a:bodyPr/>
           <a:lstStyle/>
           <a:p>
-            <a:endParaRPr lang="en-US"/>
+            <a:endParaRPr lang="en-US" dirty="0"/>
           </a:p>
         </p:txBody>
       </p:sp>
@@ -38576,7 +38558,7 @@
               <a:rPr lang="en-US" smtClean="0"/>
               <a:t>‹#›</a:t>
             </a:fld>
-            <a:endParaRPr lang="en-US"/>
+            <a:endParaRPr lang="en-US" dirty="0"/>
           </a:p>
         </p:txBody>
       </p:sp>
@@ -38707,10 +38689,9 @@
           </a:lstStyle>
           <a:p>
             <a:r>
-              <a:rPr lang="en-US"/>
+              <a:rPr lang="en-US" dirty="0"/>
               <a:t>Click icon to add picture</a:t>
             </a:r>
-            <a:endParaRPr lang="en-US" dirty="0"/>
           </a:p>
         </p:txBody>
       </p:sp>
@@ -38806,7 +38787,7 @@
               <a:rPr lang="en-US" smtClean="0"/>
               <a:t>8/2/2025</a:t>
             </a:fld>
-            <a:endParaRPr lang="en-US"/>
+            <a:endParaRPr lang="en-US" dirty="0"/>
           </a:p>
         </p:txBody>
       </p:sp>
@@ -38825,7 +38806,7 @@
           <a:bodyPr/>
           <a:lstStyle/>
           <a:p>
-            <a:endParaRPr lang="en-US"/>
+            <a:endParaRPr lang="en-US" dirty="0"/>
           </a:p>
         </p:txBody>
       </p:sp>
@@ -38848,7 +38829,7 @@
               <a:rPr lang="en-US" smtClean="0"/>
               <a:t>‹#›</a:t>
             </a:fld>
-            <a:endParaRPr lang="en-US"/>
+            <a:endParaRPr lang="en-US" dirty="0"/>
           </a:p>
         </p:txBody>
       </p:sp>
@@ -38976,7 +38957,7 @@
               <a:rPr lang="en-US" smtClean="0"/>
               <a:t>8/2/2025</a:t>
             </a:fld>
-            <a:endParaRPr lang="en-US"/>
+            <a:endParaRPr lang="en-US" dirty="0"/>
           </a:p>
         </p:txBody>
       </p:sp>
@@ -38995,7 +38976,7 @@
           <a:bodyPr/>
           <a:lstStyle/>
           <a:p>
-            <a:endParaRPr lang="en-US"/>
+            <a:endParaRPr lang="en-US" dirty="0"/>
           </a:p>
         </p:txBody>
       </p:sp>
@@ -39018,7 +38999,7 @@
               <a:rPr lang="en-US" smtClean="0"/>
               <a:t>‹#›</a:t>
             </a:fld>
-            <a:endParaRPr lang="en-US"/>
+            <a:endParaRPr lang="en-US" dirty="0"/>
           </a:p>
         </p:txBody>
       </p:sp>
@@ -39146,10 +39127,9 @@
           </a:lstStyle>
           <a:p>
             <a:r>
-              <a:rPr lang="en-US"/>
+              <a:rPr lang="en-US" dirty="0"/>
               <a:t>Click icon to add picture</a:t>
             </a:r>
-            <a:endParaRPr lang="en-US" dirty="0"/>
           </a:p>
         </p:txBody>
       </p:sp>
@@ -39239,7 +39219,7 @@
               <a:rPr lang="en-US" smtClean="0"/>
               <a:t>8/2/2025</a:t>
             </a:fld>
-            <a:endParaRPr lang="en-US"/>
+            <a:endParaRPr lang="en-US" dirty="0"/>
           </a:p>
         </p:txBody>
       </p:sp>
@@ -39258,7 +39238,7 @@
           <a:bodyPr/>
           <a:lstStyle/>
           <a:p>
-            <a:endParaRPr lang="en-US"/>
+            <a:endParaRPr lang="en-US" dirty="0"/>
           </a:p>
         </p:txBody>
       </p:sp>
@@ -39366,7 +39346,7 @@
               <a:rPr lang="en-US" smtClean="0"/>
               <a:t>‹#›</a:t>
             </a:fld>
-            <a:endParaRPr lang="en-US"/>
+            <a:endParaRPr lang="en-US" dirty="0"/>
           </a:p>
         </p:txBody>
       </p:sp>
@@ -39504,7 +39484,7 @@
               <a:rPr lang="en-US" smtClean="0"/>
               <a:t>8/2/2025</a:t>
             </a:fld>
-            <a:endParaRPr lang="en-US"/>
+            <a:endParaRPr lang="en-US" dirty="0"/>
           </a:p>
         </p:txBody>
       </p:sp>
@@ -39523,7 +39503,7 @@
           <a:bodyPr/>
           <a:lstStyle/>
           <a:p>
-            <a:endParaRPr lang="en-US"/>
+            <a:endParaRPr lang="en-US" dirty="0"/>
           </a:p>
         </p:txBody>
       </p:sp>
@@ -39546,7 +39526,7 @@
               <a:rPr lang="en-US" smtClean="0"/>
               <a:t>‹#›</a:t>
             </a:fld>
-            <a:endParaRPr lang="en-US"/>
+            <a:endParaRPr lang="en-US" dirty="0"/>
           </a:p>
         </p:txBody>
       </p:sp>
@@ -39751,7 +39731,7 @@
               <a:rPr lang="en-US" smtClean="0"/>
               <a:t>8/2/2025</a:t>
             </a:fld>
-            <a:endParaRPr lang="en-US"/>
+            <a:endParaRPr lang="en-US" dirty="0"/>
           </a:p>
         </p:txBody>
       </p:sp>
@@ -39770,7 +39750,7 @@
           <a:bodyPr/>
           <a:lstStyle/>
           <a:p>
-            <a:endParaRPr lang="en-US"/>
+            <a:endParaRPr lang="en-US" dirty="0"/>
           </a:p>
         </p:txBody>
       </p:sp>
@@ -39793,7 +39773,7 @@
               <a:rPr lang="en-US" smtClean="0"/>
               <a:t>‹#›</a:t>
             </a:fld>
-            <a:endParaRPr lang="en-US"/>
+            <a:endParaRPr lang="en-US" dirty="0"/>
           </a:p>
         </p:txBody>
       </p:sp>
@@ -39921,7 +39901,7 @@
               <a:rPr lang="en-US" smtClean="0"/>
               <a:t>8/2/2025</a:t>
             </a:fld>
-            <a:endParaRPr lang="en-US"/>
+            <a:endParaRPr lang="en-US" dirty="0"/>
           </a:p>
         </p:txBody>
       </p:sp>
@@ -39940,7 +39920,7 @@
           <a:bodyPr/>
           <a:lstStyle/>
           <a:p>
-            <a:endParaRPr lang="en-US"/>
+            <a:endParaRPr lang="en-US" dirty="0"/>
           </a:p>
         </p:txBody>
       </p:sp>
@@ -39963,7 +39943,7 @@
               <a:rPr lang="en-US" smtClean="0"/>
               <a:t>‹#›</a:t>
             </a:fld>
-            <a:endParaRPr lang="en-US"/>
+            <a:endParaRPr lang="en-US" dirty="0"/>
           </a:p>
         </p:txBody>
       </p:sp>
@@ -40168,7 +40148,7 @@
               <a:rPr lang="en-US" smtClean="0"/>
               <a:t>8/2/2025</a:t>
             </a:fld>
-            <a:endParaRPr lang="en-US"/>
+            <a:endParaRPr lang="en-US" dirty="0"/>
           </a:p>
         </p:txBody>
       </p:sp>
@@ -40187,7 +40167,7 @@
           <a:bodyPr/>
           <a:lstStyle/>
           <a:p>
-            <a:endParaRPr lang="en-US"/>
+            <a:endParaRPr lang="en-US" dirty="0"/>
           </a:p>
         </p:txBody>
       </p:sp>
@@ -40210,7 +40190,7 @@
               <a:rPr lang="en-US" smtClean="0"/>
               <a:t>‹#›</a:t>
             </a:fld>
-            <a:endParaRPr lang="en-US"/>
+            <a:endParaRPr lang="en-US" dirty="0"/>
           </a:p>
         </p:txBody>
       </p:sp>
@@ -40460,7 +40440,7 @@
               <a:rPr lang="en-US" smtClean="0"/>
               <a:t>8/2/2025</a:t>
             </a:fld>
-            <a:endParaRPr lang="en-US"/>
+            <a:endParaRPr lang="en-US" dirty="0"/>
           </a:p>
         </p:txBody>
       </p:sp>
@@ -40479,7 +40459,7 @@
           <a:bodyPr/>
           <a:lstStyle/>
           <a:p>
-            <a:endParaRPr lang="en-US"/>
+            <a:endParaRPr lang="en-US" dirty="0"/>
           </a:p>
         </p:txBody>
       </p:sp>
@@ -40502,7 +40482,7 @@
               <a:rPr lang="en-US" smtClean="0"/>
               <a:t>‹#›</a:t>
             </a:fld>
-            <a:endParaRPr lang="en-US"/>
+            <a:endParaRPr lang="en-US" dirty="0"/>
           </a:p>
         </p:txBody>
       </p:sp>
@@ -40904,7 +40884,7 @@
               <a:rPr lang="en-US" smtClean="0"/>
               <a:t>8/2/2025</a:t>
             </a:fld>
-            <a:endParaRPr lang="en-US"/>
+            <a:endParaRPr lang="en-US" dirty="0"/>
           </a:p>
         </p:txBody>
       </p:sp>
@@ -40923,7 +40903,7 @@
           <a:bodyPr/>
           <a:lstStyle/>
           <a:p>
-            <a:endParaRPr lang="en-US"/>
+            <a:endParaRPr lang="en-US" dirty="0"/>
           </a:p>
         </p:txBody>
       </p:sp>
@@ -40946,7 +40926,7 @@
               <a:rPr lang="en-US" smtClean="0"/>
               <a:t>‹#›</a:t>
             </a:fld>
-            <a:endParaRPr lang="en-US"/>
+            <a:endParaRPr lang="en-US" dirty="0"/>
           </a:p>
         </p:txBody>
       </p:sp>
@@ -41022,7 +41002,7 @@
               <a:rPr lang="en-US" smtClean="0"/>
               <a:t>8/2/2025</a:t>
             </a:fld>
-            <a:endParaRPr lang="en-US"/>
+            <a:endParaRPr lang="en-US" dirty="0"/>
           </a:p>
         </p:txBody>
       </p:sp>
@@ -41041,7 +41021,7 @@
           <a:bodyPr/>
           <a:lstStyle/>
           <a:p>
-            <a:endParaRPr lang="en-US"/>
+            <a:endParaRPr lang="en-US" dirty="0"/>
           </a:p>
         </p:txBody>
       </p:sp>
@@ -41064,7 +41044,7 @@
               <a:rPr lang="en-US" smtClean="0"/>
               <a:t>‹#›</a:t>
             </a:fld>
-            <a:endParaRPr lang="en-US"/>
+            <a:endParaRPr lang="en-US" dirty="0"/>
           </a:p>
         </p:txBody>
       </p:sp>
@@ -41117,7 +41097,7 @@
               <a:rPr lang="en-US" smtClean="0"/>
               <a:t>8/2/2025</a:t>
             </a:fld>
-            <a:endParaRPr lang="en-US"/>
+            <a:endParaRPr lang="en-US" dirty="0"/>
           </a:p>
         </p:txBody>
       </p:sp>
@@ -41136,7 +41116,7 @@
           <a:bodyPr/>
           <a:lstStyle/>
           <a:p>
-            <a:endParaRPr lang="en-US"/>
+            <a:endParaRPr lang="en-US" dirty="0"/>
           </a:p>
         </p:txBody>
       </p:sp>
@@ -41159,7 +41139,7 @@
               <a:rPr lang="en-US" smtClean="0"/>
               <a:t>‹#›</a:t>
             </a:fld>
-            <a:endParaRPr lang="en-US"/>
+            <a:endParaRPr lang="en-US" dirty="0"/>
           </a:p>
         </p:txBody>
       </p:sp>
@@ -41396,7 +41376,7 @@
               <a:rPr lang="en-US" smtClean="0"/>
               <a:t>8/2/2025</a:t>
             </a:fld>
-            <a:endParaRPr lang="en-US"/>
+            <a:endParaRPr lang="en-US" dirty="0"/>
           </a:p>
         </p:txBody>
       </p:sp>
@@ -41415,7 +41395,7 @@
           <a:bodyPr/>
           <a:lstStyle/>
           <a:p>
-            <a:endParaRPr lang="en-US"/>
+            <a:endParaRPr lang="en-US" dirty="0"/>
           </a:p>
         </p:txBody>
       </p:sp>
@@ -41438,7 +41418,7 @@
               <a:rPr lang="en-US" smtClean="0"/>
               <a:t>‹#›</a:t>
             </a:fld>
-            <a:endParaRPr lang="en-US"/>
+            <a:endParaRPr lang="en-US" dirty="0"/>
           </a:p>
         </p:txBody>
       </p:sp>
@@ -41578,10 +41558,9 @@
           </a:lstStyle>
           <a:p>
             <a:r>
-              <a:rPr lang="en-US"/>
+              <a:rPr lang="en-US" dirty="0"/>
               <a:t>Click icon to add picture</a:t>
             </a:r>
-            <a:endParaRPr lang="en-US" dirty="0"/>
           </a:p>
         </p:txBody>
       </p:sp>
@@ -41671,7 +41650,7 @@
               <a:rPr lang="en-US" smtClean="0"/>
               <a:t>8/2/2025</a:t>
             </a:fld>
-            <a:endParaRPr lang="en-US"/>
+            <a:endParaRPr lang="en-US" dirty="0"/>
           </a:p>
         </p:txBody>
       </p:sp>
@@ -41690,7 +41669,7 @@
           <a:bodyPr/>
           <a:lstStyle/>
           <a:p>
-            <a:endParaRPr lang="en-US"/>
+            <a:endParaRPr lang="en-US" dirty="0"/>
           </a:p>
         </p:txBody>
       </p:sp>
@@ -41713,7 +41692,7 @@
               <a:rPr lang="en-US" smtClean="0"/>
               <a:t>‹#›</a:t>
             </a:fld>
-            <a:endParaRPr lang="en-US"/>
+            <a:endParaRPr lang="en-US" dirty="0"/>
           </a:p>
         </p:txBody>
       </p:sp>
@@ -43701,7 +43680,7 @@
               <a:rPr lang="en-US" smtClean="0"/>
               <a:t>8/2/2025</a:t>
             </a:fld>
-            <a:endParaRPr lang="en-US"/>
+            <a:endParaRPr lang="en-US" dirty="0"/>
           </a:p>
         </p:txBody>
       </p:sp>
@@ -43738,7 +43717,7 @@
             </a:lvl1pPr>
           </a:lstStyle>
           <a:p>
-            <a:endParaRPr lang="en-US"/>
+            <a:endParaRPr lang="en-US" dirty="0"/>
           </a:p>
         </p:txBody>
       </p:sp>
@@ -43777,7 +43756,7 @@
               <a:rPr lang="en-US" smtClean="0"/>
               <a:t>‹#›</a:t>
             </a:fld>
-            <a:endParaRPr lang="en-US"/>
+            <a:endParaRPr lang="en-US" dirty="0"/>
           </a:p>
         </p:txBody>
       </p:sp>
@@ -44492,7 +44471,7 @@
               <a:rPr lang="en-US" smtClean="0"/>
               <a:t>8/2/2025</a:t>
             </a:fld>
-            <a:endParaRPr lang="en-US"/>
+            <a:endParaRPr lang="en-US" dirty="0"/>
           </a:p>
         </p:txBody>
       </p:sp>
@@ -44529,7 +44508,7 @@
             </a:lvl1pPr>
           </a:lstStyle>
           <a:p>
-            <a:endParaRPr lang="en-US"/>
+            <a:endParaRPr lang="en-US" dirty="0"/>
           </a:p>
         </p:txBody>
       </p:sp>
@@ -44570,7 +44549,7 @@
               <a:rPr lang="en-US" smtClean="0"/>
               <a:t>‹#›</a:t>
             </a:fld>
-            <a:endParaRPr lang="en-US"/>
+            <a:endParaRPr lang="en-US" dirty="0"/>
           </a:p>
         </p:txBody>
       </p:sp>
@@ -45244,7 +45223,7 @@
               <a:rPr lang="en-US" smtClean="0"/>
               <a:t>8/2/2025</a:t>
             </a:fld>
-            <a:endParaRPr lang="en-US"/>
+            <a:endParaRPr lang="en-US" dirty="0"/>
           </a:p>
         </p:txBody>
       </p:sp>
@@ -45279,7 +45258,7 @@
             </a:lvl1pPr>
           </a:lstStyle>
           <a:p>
-            <a:endParaRPr lang="en-US"/>
+            <a:endParaRPr lang="en-US" dirty="0"/>
           </a:p>
         </p:txBody>
       </p:sp>
@@ -45318,7 +45297,7 @@
               <a:rPr lang="en-US" smtClean="0"/>
               <a:t>‹#›</a:t>
             </a:fld>
-            <a:endParaRPr lang="en-US"/>
+            <a:endParaRPr lang="en-US" dirty="0"/>
           </a:p>
         </p:txBody>
       </p:sp>
@@ -46093,7 +46072,7 @@
               <a:rPr lang="en-US" smtClean="0"/>
               <a:t>8/2/2025</a:t>
             </a:fld>
-            <a:endParaRPr lang="en-US"/>
+            <a:endParaRPr lang="en-US" dirty="0"/>
           </a:p>
         </p:txBody>
       </p:sp>
@@ -46130,7 +46109,7 @@
             </a:lvl1pPr>
           </a:lstStyle>
           <a:p>
-            <a:endParaRPr lang="en-US"/>
+            <a:endParaRPr lang="en-US" dirty="0"/>
           </a:p>
         </p:txBody>
       </p:sp>
@@ -46171,7 +46150,7 @@
               <a:rPr lang="en-US" smtClean="0"/>
               <a:t>‹#›</a:t>
             </a:fld>
-            <a:endParaRPr lang="en-US"/>
+            <a:endParaRPr lang="en-US" dirty="0"/>
           </a:p>
         </p:txBody>
       </p:sp>
@@ -47256,7 +47235,7 @@
             </a:ln>
             <a:extLst>
               <a:ext uri="{91240B29-F687-4f45-9708-019B960494DF}">
-                <a14:hiddenLine xmlns="" xmlns:a14="http://schemas.microsoft.com/office/drawing/2010/main" w="9525">
+                <a14:hiddenLine xmlns:a14="http://schemas.microsoft.com/office/drawing/2010/main" xmlns="" w="9525">
                   <a:solidFill>
                     <a:srgbClr val="000000"/>
                   </a:solidFill>
@@ -47399,7 +47378,7 @@
               <a:rPr lang="en-US" smtClean="0"/>
               <a:t>8/2/2025</a:t>
             </a:fld>
-            <a:endParaRPr lang="en-US"/>
+            <a:endParaRPr lang="en-US" dirty="0"/>
           </a:p>
         </p:txBody>
       </p:sp>
@@ -47434,7 +47413,7 @@
             </a:lvl1pPr>
           </a:lstStyle>
           <a:p>
-            <a:endParaRPr lang="en-US"/>
+            <a:endParaRPr lang="en-US" dirty="0"/>
           </a:p>
         </p:txBody>
       </p:sp>
@@ -47509,7 +47488,7 @@
               <a:rPr lang="en-US" smtClean="0"/>
               <a:t>‹#›</a:t>
             </a:fld>
-            <a:endParaRPr lang="en-US"/>
+            <a:endParaRPr lang="en-US" dirty="0"/>
           </a:p>
         </p:txBody>
       </p:sp>
@@ -48132,7 +48111,7 @@
               <a:rPr lang="en-US" smtClean="0"/>
               <a:t>8/2/2025</a:t>
             </a:fld>
-            <a:endParaRPr lang="en-US"/>
+            <a:endParaRPr lang="en-US" dirty="0"/>
           </a:p>
         </p:txBody>
       </p:sp>
@@ -48167,7 +48146,7 @@
             </a:lvl1pPr>
           </a:lstStyle>
           <a:p>
-            <a:endParaRPr lang="en-US"/>
+            <a:endParaRPr lang="en-US" dirty="0"/>
           </a:p>
         </p:txBody>
       </p:sp>
@@ -48206,7 +48185,7 @@
               <a:rPr lang="en-US" smtClean="0"/>
               <a:t>‹#›</a:t>
             </a:fld>
-            <a:endParaRPr lang="en-US"/>
+            <a:endParaRPr lang="en-US" dirty="0"/>
           </a:p>
         </p:txBody>
       </p:sp>
@@ -49080,7 +49059,7 @@
               <a:rPr lang="en-US" smtClean="0"/>
               <a:t>8/2/2025</a:t>
             </a:fld>
-            <a:endParaRPr lang="en-US"/>
+            <a:endParaRPr lang="en-US" dirty="0"/>
           </a:p>
         </p:txBody>
       </p:sp>
@@ -49118,7 +49097,7 @@
             </a:lvl1pPr>
           </a:lstStyle>
           <a:p>
-            <a:endParaRPr lang="en-US"/>
+            <a:endParaRPr lang="en-US" dirty="0"/>
           </a:p>
         </p:txBody>
       </p:sp>
@@ -49159,7 +49138,7 @@
               <a:rPr lang="en-US" smtClean="0"/>
               <a:t>‹#›</a:t>
             </a:fld>
-            <a:endParaRPr lang="en-US"/>
+            <a:endParaRPr lang="en-US" dirty="0"/>
           </a:p>
         </p:txBody>
       </p:sp>
@@ -49879,7 +49858,7 @@
               <a:rPr lang="en-US" smtClean="0"/>
               <a:t>8/2/2025</a:t>
             </a:fld>
-            <a:endParaRPr lang="en-US"/>
+            <a:endParaRPr lang="en-US" dirty="0"/>
           </a:p>
         </p:txBody>
       </p:sp>
@@ -49916,7 +49895,7 @@
             </a:lvl1pPr>
           </a:lstStyle>
           <a:p>
-            <a:endParaRPr lang="en-US"/>
+            <a:endParaRPr lang="en-US" dirty="0"/>
           </a:p>
         </p:txBody>
       </p:sp>
@@ -49957,7 +49936,7 @@
               <a:rPr lang="en-US" smtClean="0"/>
               <a:t>‹#›</a:t>
             </a:fld>
-            <a:endParaRPr lang="en-US"/>
+            <a:endParaRPr lang="en-US" dirty="0"/>
           </a:p>
         </p:txBody>
       </p:sp>
@@ -51529,7 +51508,7 @@
               </a:lnSpc>
             </a:pPr>
             <a:r>
-              <a:rPr lang="en-IN" sz="1400" dirty="0" err="1">
+              <a:rPr lang="en-IN" sz="1400" dirty="0">
                 <a:solidFill>
                   <a:srgbClr val="00B0F0"/>
                 </a:solidFill>
@@ -51537,12 +51516,6 @@
               </a:rPr>
               <a:t>FinBert</a:t>
             </a:r>
-            <a:endParaRPr lang="en-IN" sz="1400" dirty="0">
-              <a:solidFill>
-                <a:srgbClr val="00B0F0"/>
-              </a:solidFill>
-              <a:latin typeface="Adobe Caslon Pro Bold" panose="0205070206050A020403" pitchFamily="18" charset="0"/>
-            </a:endParaRPr>
           </a:p>
           <a:p>
             <a:pPr>
@@ -51567,7 +51540,7 @@
               </a:lnSpc>
             </a:pPr>
             <a:r>
-              <a:rPr lang="en-IN" sz="1400" dirty="0" err="1">
+              <a:rPr lang="en-IN" sz="1400" dirty="0">
                 <a:solidFill>
                   <a:srgbClr val="00B0F0"/>
                 </a:solidFill>
@@ -51575,12 +51548,6 @@
               </a:rPr>
               <a:t>Textblob</a:t>
             </a:r>
-            <a:endParaRPr lang="en-IN" sz="1400" dirty="0">
-              <a:solidFill>
-                <a:srgbClr val="00B0F0"/>
-              </a:solidFill>
-              <a:latin typeface="Adobe Caslon Pro Bold" panose="0205070206050A020403" pitchFamily="18" charset="0"/>
-            </a:endParaRPr>
           </a:p>
           <a:p>
             <a:pPr>
